--- a/Power Point/Project 3-Trends in Foster Care.pptx
+++ b/Power Point/Project 3-Trends in Foster Care.pptx
@@ -5,10 +5,10 @@
     <p:sldMasterId id="2147483648" r:id="rId4"/>
   </p:sldMasterIdLst>
   <p:notesMasterIdLst>
-    <p:notesMasterId r:id="rId17"/>
+    <p:notesMasterId r:id="rId18"/>
   </p:notesMasterIdLst>
   <p:handoutMasterIdLst>
-    <p:handoutMasterId r:id="rId18"/>
+    <p:handoutMasterId r:id="rId19"/>
   </p:handoutMasterIdLst>
   <p:sldIdLst>
     <p:sldId id="256" r:id="rId5"/>
@@ -17,12 +17,13 @@
     <p:sldId id="298" r:id="rId8"/>
     <p:sldId id="281" r:id="rId9"/>
     <p:sldId id="293" r:id="rId10"/>
-    <p:sldId id="288" r:id="rId11"/>
-    <p:sldId id="292" r:id="rId12"/>
-    <p:sldId id="295" r:id="rId13"/>
-    <p:sldId id="291" r:id="rId14"/>
-    <p:sldId id="265" r:id="rId15"/>
+    <p:sldId id="292" r:id="rId11"/>
+    <p:sldId id="295" r:id="rId12"/>
+    <p:sldId id="299" r:id="rId13"/>
+    <p:sldId id="265" r:id="rId14"/>
+    <p:sldId id="288" r:id="rId15"/>
     <p:sldId id="297" r:id="rId16"/>
+    <p:sldId id="300" r:id="rId17"/>
   </p:sldIdLst>
   <p:sldSz cx="12192000" cy="6858000"/>
   <p:notesSz cx="6858000" cy="9144000"/>
@@ -198,7 +199,7 @@
             </a:lvl1pPr>
           </a:lstStyle>
           <a:p>
-            <a:endParaRPr lang="en-US"/>
+            <a:endParaRPr lang="en-US" dirty="0"/>
           </a:p>
         </p:txBody>
       </p:sp>
@@ -237,9 +238,9 @@
           <a:p>
             <a:fld id="{9232FC57-E1F8-4F59-A87C-2833007EAF57}" type="datetimeFigureOut">
               <a:rPr lang="en-US" smtClean="0"/>
-              <a:t>1/6/2021</a:t>
+              <a:t>1/9/2021</a:t>
             </a:fld>
-            <a:endParaRPr lang="en-US"/>
+            <a:endParaRPr lang="en-US" dirty="0"/>
           </a:p>
         </p:txBody>
       </p:sp>
@@ -276,7 +277,7 @@
             </a:lvl1pPr>
           </a:lstStyle>
           <a:p>
-            <a:endParaRPr lang="en-US"/>
+            <a:endParaRPr lang="en-US" dirty="0"/>
           </a:p>
         </p:txBody>
       </p:sp>
@@ -317,7 +318,7 @@
               <a:rPr lang="en-US" smtClean="0"/>
               <a:t>‹#›</a:t>
             </a:fld>
-            <a:endParaRPr lang="en-US"/>
+            <a:endParaRPr lang="en-US" dirty="0"/>
           </a:p>
         </p:txBody>
       </p:sp>
@@ -381,7 +382,7 @@
             </a:lvl1pPr>
           </a:lstStyle>
           <a:p>
-            <a:endParaRPr lang="en-US"/>
+            <a:endParaRPr lang="en-US" dirty="0"/>
           </a:p>
         </p:txBody>
       </p:sp>
@@ -414,9 +415,9 @@
           <a:p>
             <a:fld id="{C98ACAC0-59EA-4916-9995-398D6BEB88C3}" type="datetimeFigureOut">
               <a:rPr lang="en-US" smtClean="0"/>
-              <a:t>1/6/2021</a:t>
+              <a:t>1/9/2021</a:t>
             </a:fld>
-            <a:endParaRPr lang="en-US"/>
+            <a:endParaRPr lang="en-US" dirty="0"/>
           </a:p>
         </p:txBody>
       </p:sp>
@@ -449,7 +450,7 @@
           <a:bodyPr vert="horz" lIns="91440" tIns="45720" rIns="91440" bIns="45720" rtlCol="0" anchor="ctr"/>
           <a:lstStyle/>
           <a:p>
-            <a:endParaRPr lang="en-US"/>
+            <a:endParaRPr lang="en-US" dirty="0"/>
           </a:p>
         </p:txBody>
       </p:sp>
@@ -539,7 +540,7 @@
             </a:lvl1pPr>
           </a:lstStyle>
           <a:p>
-            <a:endParaRPr lang="en-US"/>
+            <a:endParaRPr lang="en-US" dirty="0"/>
           </a:p>
         </p:txBody>
       </p:sp>
@@ -574,7 +575,7 @@
               <a:rPr lang="en-US" smtClean="0"/>
               <a:t>‹#›</a:t>
             </a:fld>
-            <a:endParaRPr lang="en-US"/>
+            <a:endParaRPr lang="en-US" dirty="0"/>
           </a:p>
         </p:txBody>
       </p:sp>
@@ -751,7 +752,7 @@
               <a:rPr lang="en-US" smtClean="0"/>
               <a:t>1</a:t>
             </a:fld>
-            <a:endParaRPr lang="en-US"/>
+            <a:endParaRPr lang="en-US" dirty="0"/>
           </a:p>
         </p:txBody>
       </p:sp>
@@ -838,7 +839,7 @@
               <a:rPr lang="en-US" smtClean="0"/>
               <a:t>4</a:t>
             </a:fld>
-            <a:endParaRPr lang="en-US"/>
+            <a:endParaRPr lang="en-US" dirty="0"/>
           </a:p>
         </p:txBody>
       </p:sp>
@@ -925,7 +926,7 @@
               <a:rPr lang="en-US" smtClean="0"/>
               <a:t>6</a:t>
             </a:fld>
-            <a:endParaRPr lang="en-US"/>
+            <a:endParaRPr lang="en-US" dirty="0"/>
           </a:p>
         </p:txBody>
       </p:sp>
@@ -1010,9 +1011,9 @@
           <a:p>
             <a:fld id="{5A9B2C62-FE30-453D-946B-754E9E42C845}" type="slidenum">
               <a:rPr lang="en-US" smtClean="0"/>
-              <a:t>9</a:t>
+              <a:t>8</a:t>
             </a:fld>
-            <a:endParaRPr lang="en-US"/>
+            <a:endParaRPr lang="en-US" dirty="0"/>
           </a:p>
         </p:txBody>
       </p:sp>
@@ -1097,9 +1098,96 @@
           <a:p>
             <a:fld id="{5A9B2C62-FE30-453D-946B-754E9E42C845}" type="slidenum">
               <a:rPr lang="en-US" smtClean="0"/>
+              <a:t>9</a:t>
+            </a:fld>
+            <a:endParaRPr lang="en-US" dirty="0"/>
+          </a:p>
+        </p:txBody>
+      </p:sp>
+    </p:spTree>
+    <p:extLst>
+      <p:ext uri="{BB962C8B-B14F-4D97-AF65-F5344CB8AC3E}">
+        <p14:creationId xmlns:p14="http://schemas.microsoft.com/office/powerpoint/2010/main" val="587612912"/>
+      </p:ext>
+    </p:extLst>
+  </p:cSld>
+  <p:clrMapOvr>
+    <a:masterClrMapping/>
+  </p:clrMapOvr>
+</p:notes>
+</file>
+
+<file path=ppt/notesSlides/notesSlide6.xml><?xml version="1.0" encoding="utf-8"?>
+<p:notes xmlns:a="http://schemas.openxmlformats.org/drawingml/2006/main" xmlns:r="http://schemas.openxmlformats.org/officeDocument/2006/relationships" xmlns:p="http://schemas.openxmlformats.org/presentationml/2006/main">
+  <p:cSld>
+    <p:spTree>
+      <p:nvGrpSpPr>
+        <p:cNvPr id="1" name=""/>
+        <p:cNvGrpSpPr/>
+        <p:nvPr/>
+      </p:nvGrpSpPr>
+      <p:grpSpPr>
+        <a:xfrm>
+          <a:off x="0" y="0"/>
+          <a:ext cx="0" cy="0"/>
+          <a:chOff x="0" y="0"/>
+          <a:chExt cx="0" cy="0"/>
+        </a:xfrm>
+      </p:grpSpPr>
+      <p:sp>
+        <p:nvSpPr>
+          <p:cNvPr id="2" name="Slide Image Placeholder 1"/>
+          <p:cNvSpPr>
+            <a:spLocks noGrp="1" noRot="1" noChangeAspect="1"/>
+          </p:cNvSpPr>
+          <p:nvPr>
+            <p:ph type="sldImg"/>
+          </p:nvPr>
+        </p:nvSpPr>
+        <p:spPr/>
+      </p:sp>
+      <p:sp>
+        <p:nvSpPr>
+          <p:cNvPr id="3" name="Notes Placeholder 2"/>
+          <p:cNvSpPr>
+            <a:spLocks noGrp="1"/>
+          </p:cNvSpPr>
+          <p:nvPr>
+            <p:ph type="body" idx="1"/>
+          </p:nvPr>
+        </p:nvSpPr>
+        <p:spPr/>
+        <p:txBody>
+          <a:bodyPr/>
+          <a:lstStyle/>
+          <a:p>
+            <a:r>
+              <a:rPr lang="en-US" dirty="0"/>
+              <a:t>Line spacing + Page numbers</a:t>
+            </a:r>
+          </a:p>
+        </p:txBody>
+      </p:sp>
+      <p:sp>
+        <p:nvSpPr>
+          <p:cNvPr id="4" name="Slide Number Placeholder 3"/>
+          <p:cNvSpPr>
+            <a:spLocks noGrp="1"/>
+          </p:cNvSpPr>
+          <p:nvPr>
+            <p:ph type="sldNum" sz="quarter" idx="5"/>
+          </p:nvPr>
+        </p:nvSpPr>
+        <p:spPr/>
+        <p:txBody>
+          <a:bodyPr/>
+          <a:lstStyle/>
+          <a:p>
+            <a:fld id="{5A9B2C62-FE30-453D-946B-754E9E42C845}" type="slidenum">
+              <a:rPr lang="en-US" smtClean="0"/>
               <a:t>12</a:t>
             </a:fld>
-            <a:endParaRPr lang="en-US"/>
+            <a:endParaRPr lang="en-US" dirty="0"/>
           </a:p>
         </p:txBody>
       </p:sp>
@@ -1107,6 +1195,93 @@
     <p:extLst>
       <p:ext uri="{BB962C8B-B14F-4D97-AF65-F5344CB8AC3E}">
         <p14:creationId xmlns:p14="http://schemas.microsoft.com/office/powerpoint/2010/main" val="1783777174"/>
+      </p:ext>
+    </p:extLst>
+  </p:cSld>
+  <p:clrMapOvr>
+    <a:masterClrMapping/>
+  </p:clrMapOvr>
+</p:notes>
+</file>
+
+<file path=ppt/notesSlides/notesSlide7.xml><?xml version="1.0" encoding="utf-8"?>
+<p:notes xmlns:a="http://schemas.openxmlformats.org/drawingml/2006/main" xmlns:r="http://schemas.openxmlformats.org/officeDocument/2006/relationships" xmlns:p="http://schemas.openxmlformats.org/presentationml/2006/main">
+  <p:cSld>
+    <p:spTree>
+      <p:nvGrpSpPr>
+        <p:cNvPr id="1" name=""/>
+        <p:cNvGrpSpPr/>
+        <p:nvPr/>
+      </p:nvGrpSpPr>
+      <p:grpSpPr>
+        <a:xfrm>
+          <a:off x="0" y="0"/>
+          <a:ext cx="0" cy="0"/>
+          <a:chOff x="0" y="0"/>
+          <a:chExt cx="0" cy="0"/>
+        </a:xfrm>
+      </p:grpSpPr>
+      <p:sp>
+        <p:nvSpPr>
+          <p:cNvPr id="2" name="Slide Image Placeholder 1"/>
+          <p:cNvSpPr>
+            <a:spLocks noGrp="1" noRot="1" noChangeAspect="1"/>
+          </p:cNvSpPr>
+          <p:nvPr>
+            <p:ph type="sldImg"/>
+          </p:nvPr>
+        </p:nvSpPr>
+        <p:spPr/>
+      </p:sp>
+      <p:sp>
+        <p:nvSpPr>
+          <p:cNvPr id="3" name="Notes Placeholder 2"/>
+          <p:cNvSpPr>
+            <a:spLocks noGrp="1"/>
+          </p:cNvSpPr>
+          <p:nvPr>
+            <p:ph type="body" idx="1"/>
+          </p:nvPr>
+        </p:nvSpPr>
+        <p:spPr/>
+        <p:txBody>
+          <a:bodyPr/>
+          <a:lstStyle/>
+          <a:p>
+            <a:r>
+              <a:rPr lang="en-US" dirty="0"/>
+              <a:t>Line spacing + Page numbers</a:t>
+            </a:r>
+          </a:p>
+        </p:txBody>
+      </p:sp>
+      <p:sp>
+        <p:nvSpPr>
+          <p:cNvPr id="4" name="Slide Number Placeholder 3"/>
+          <p:cNvSpPr>
+            <a:spLocks noGrp="1"/>
+          </p:cNvSpPr>
+          <p:nvPr>
+            <p:ph type="sldNum" sz="quarter" idx="5"/>
+          </p:nvPr>
+        </p:nvSpPr>
+        <p:spPr/>
+        <p:txBody>
+          <a:bodyPr/>
+          <a:lstStyle/>
+          <a:p>
+            <a:fld id="{5A9B2C62-FE30-453D-946B-754E9E42C845}" type="slidenum">
+              <a:rPr lang="en-US" smtClean="0"/>
+              <a:t>13</a:t>
+            </a:fld>
+            <a:endParaRPr lang="en-US" dirty="0"/>
+          </a:p>
+        </p:txBody>
+      </p:sp>
+    </p:spTree>
+    <p:extLst>
+      <p:ext uri="{BB962C8B-B14F-4D97-AF65-F5344CB8AC3E}">
+        <p14:creationId xmlns:p14="http://schemas.microsoft.com/office/powerpoint/2010/main" val="1948095814"/>
       </p:ext>
     </p:extLst>
   </p:cSld>
@@ -1255,10 +1430,9 @@
           <a:lstStyle/>
           <a:p>
             <a:r>
-              <a:rPr lang="en-US"/>
+              <a:rPr lang="en-US" dirty="0"/>
               <a:t>Click icon to add picture</a:t>
             </a:r>
-            <a:endParaRPr lang="en-US" dirty="0"/>
           </a:p>
         </p:txBody>
       </p:sp>
@@ -1422,7 +1596,7 @@
           <a:lstStyle/>
           <a:p>
             <a:r>
-              <a:rPr lang="en-US"/>
+              <a:rPr lang="en-US" dirty="0"/>
               <a:t>Click icon to add picture</a:t>
             </a:r>
           </a:p>
@@ -1970,7 +2144,7 @@
           <a:p>
             <a:fld id="{E199D1A0-04AB-4DD4-B9DB-BDEC5E64C94C}" type="datetime1">
               <a:rPr lang="en-US" smtClean="0"/>
-              <a:t>1/6/2021</a:t>
+              <a:t>1/9/2021</a:t>
             </a:fld>
             <a:endParaRPr lang="en-US" dirty="0"/>
           </a:p>
@@ -2204,7 +2378,7 @@
           <a:p>
             <a:fld id="{CF53EA80-260A-4EE9-83BB-E6DD04DEA906}" type="datetime1">
               <a:rPr lang="en-US" smtClean="0"/>
-              <a:t>1/6/2021</a:t>
+              <a:t>1/9/2021</a:t>
             </a:fld>
             <a:endParaRPr lang="en-US" dirty="0"/>
           </a:p>
@@ -2419,10 +2593,9 @@
           <a:lstStyle/>
           <a:p>
             <a:r>
-              <a:rPr lang="en-US"/>
+              <a:rPr lang="en-US" dirty="0"/>
               <a:t>Click icon to add picture</a:t>
             </a:r>
-            <a:endParaRPr lang="en-US" dirty="0"/>
           </a:p>
         </p:txBody>
       </p:sp>
@@ -2453,10 +2626,9 @@
           <a:lstStyle/>
           <a:p>
             <a:r>
-              <a:rPr lang="en-US"/>
+              <a:rPr lang="en-US" dirty="0"/>
               <a:t>Click icon to add picture</a:t>
             </a:r>
-            <a:endParaRPr lang="en-US" dirty="0"/>
           </a:p>
         </p:txBody>
       </p:sp>
@@ -2694,7 +2866,7 @@
           <a:p>
             <a:fld id="{8CD80274-DEF2-4F5D-8F74-69D0554CED55}" type="datetime1">
               <a:rPr lang="en-US" smtClean="0"/>
-              <a:t>1/6/2021</a:t>
+              <a:t>1/9/2021</a:t>
             </a:fld>
             <a:endParaRPr lang="en-US" dirty="0"/>
           </a:p>
@@ -2930,7 +3102,7 @@
           <a:p>
             <a:fld id="{C09D4DA8-2D4A-4F06-BECA-044AF4113FB4}" type="datetime1">
               <a:rPr lang="en-US" smtClean="0"/>
-              <a:t>1/6/2021</a:t>
+              <a:t>1/9/2021</a:t>
             </a:fld>
             <a:endParaRPr lang="en-US" dirty="0"/>
           </a:p>
@@ -3152,7 +3324,7 @@
           <a:lstStyle/>
           <a:p>
             <a:r>
-              <a:rPr lang="en-US"/>
+              <a:rPr lang="en-US" dirty="0"/>
               <a:t>Click icon to add picture</a:t>
             </a:r>
           </a:p>
@@ -3185,7 +3357,7 @@
           <a:lstStyle/>
           <a:p>
             <a:r>
-              <a:rPr lang="en-US"/>
+              <a:rPr lang="en-US" dirty="0"/>
               <a:t>Click icon to add picture</a:t>
             </a:r>
           </a:p>
@@ -3218,7 +3390,7 @@
           <a:lstStyle/>
           <a:p>
             <a:r>
-              <a:rPr lang="en-US"/>
+              <a:rPr lang="en-US" dirty="0"/>
               <a:t>Click icon to add picture</a:t>
             </a:r>
           </a:p>
@@ -3404,7 +3576,7 @@
           <a:p>
             <a:fld id="{C7C81873-7D47-483D-BCB4-50DD9806C720}" type="datetime1">
               <a:rPr lang="en-US" smtClean="0"/>
-              <a:t>1/6/2021</a:t>
+              <a:t>1/9/2021</a:t>
             </a:fld>
             <a:endParaRPr lang="en-US" dirty="0"/>
           </a:p>
@@ -3733,7 +3905,7 @@
           <a:p>
             <a:fld id="{90EA6C54-2562-43EA-9A1B-F808D04718E7}" type="datetime1">
               <a:rPr lang="en-US" smtClean="0"/>
-              <a:t>1/6/2021</a:t>
+              <a:t>1/9/2021</a:t>
             </a:fld>
             <a:endParaRPr lang="en-US" dirty="0"/>
           </a:p>
@@ -3868,7 +4040,7 @@
           <a:p>
             <a:fld id="{90EA6C54-2562-43EA-9A1B-F808D04718E7}" type="datetime1">
               <a:rPr lang="en-US" smtClean="0"/>
-              <a:t>1/6/2021</a:t>
+              <a:t>1/9/2021</a:t>
             </a:fld>
             <a:endParaRPr lang="en-US" dirty="0"/>
           </a:p>
@@ -3951,7 +4123,7 @@
           <a:lstStyle/>
           <a:p>
             <a:r>
-              <a:rPr lang="en-US"/>
+              <a:rPr lang="en-US" dirty="0"/>
               <a:t>Click icon to add picture</a:t>
             </a:r>
           </a:p>
@@ -4114,7 +4286,7 @@
           <a:p>
             <a:fld id="{C5DB74C9-B808-4394-A017-79C83B2524EF}" type="datetime1">
               <a:rPr lang="en-US" smtClean="0"/>
-              <a:t>1/6/2021</a:t>
+              <a:t>1/9/2021</a:t>
             </a:fld>
             <a:endParaRPr lang="en-US" dirty="0"/>
           </a:p>
@@ -4393,7 +4565,7 @@
           <a:lstStyle/>
           <a:p>
             <a:r>
-              <a:rPr lang="en-US"/>
+              <a:rPr lang="en-US" dirty="0"/>
               <a:t>Click icon to add picture</a:t>
             </a:r>
           </a:p>
@@ -4426,10 +4598,9 @@
           <a:lstStyle/>
           <a:p>
             <a:r>
-              <a:rPr lang="en-US"/>
+              <a:rPr lang="en-US" dirty="0"/>
               <a:t>Click icon to add picture</a:t>
             </a:r>
-            <a:endParaRPr lang="en-US" dirty="0"/>
           </a:p>
         </p:txBody>
       </p:sp>
@@ -4460,7 +4631,7 @@
           <a:lstStyle/>
           <a:p>
             <a:r>
-              <a:rPr lang="en-US"/>
+              <a:rPr lang="en-US" dirty="0"/>
               <a:t>Click icon to add picture</a:t>
             </a:r>
           </a:p>
@@ -4493,7 +4664,7 @@
           <a:lstStyle/>
           <a:p>
             <a:r>
-              <a:rPr lang="en-US"/>
+              <a:rPr lang="en-US" dirty="0"/>
               <a:t>Click icon to add picture</a:t>
             </a:r>
           </a:p>
@@ -4526,7 +4697,7 @@
           <a:lstStyle/>
           <a:p>
             <a:r>
-              <a:rPr lang="en-US"/>
+              <a:rPr lang="en-US" dirty="0"/>
               <a:t>Click icon to add picture</a:t>
             </a:r>
           </a:p>
@@ -4573,7 +4744,7 @@
           <a:p>
             <a:fld id="{AAD2DF6D-B715-4785-8DEA-9165C638CF44}" type="datetime1">
               <a:rPr lang="en-US" smtClean="0"/>
-              <a:t>1/6/2021</a:t>
+              <a:t>1/9/2021</a:t>
             </a:fld>
             <a:endParaRPr lang="en-US" dirty="0"/>
           </a:p>
@@ -5111,7 +5282,7 @@
           <a:lstStyle/>
           <a:p>
             <a:r>
-              <a:rPr lang="en-US"/>
+              <a:rPr lang="en-US" dirty="0"/>
               <a:t>Click icon to add picture</a:t>
             </a:r>
           </a:p>
@@ -5207,7 +5378,7 @@
           <a:p>
             <a:fld id="{137AE72A-09B6-4D56-855D-4360BD347914}" type="datetime1">
               <a:rPr lang="en-US" smtClean="0"/>
-              <a:t>1/6/2021</a:t>
+              <a:t>1/9/2021</a:t>
             </a:fld>
             <a:endParaRPr lang="en-US" dirty="0"/>
           </a:p>
@@ -5539,7 +5710,7 @@
           <a:p>
             <a:fld id="{1E5577C8-AB8C-4B8A-A01F-113B16C4DCA3}" type="datetime1">
               <a:rPr lang="en-US" smtClean="0"/>
-              <a:t>1/6/2021</a:t>
+              <a:t>1/9/2021</a:t>
             </a:fld>
             <a:endParaRPr lang="en-US" dirty="0"/>
           </a:p>
@@ -6291,6 +6462,248 @@
     <p:bg>
       <p:bgPr>
         <a:solidFill>
+          <a:schemeClr val="bg2"/>
+        </a:solidFill>
+        <a:effectLst/>
+      </p:bgPr>
+    </p:bg>
+    <p:spTree>
+      <p:nvGrpSpPr>
+        <p:cNvPr id="1" name=""/>
+        <p:cNvGrpSpPr/>
+        <p:nvPr/>
+      </p:nvGrpSpPr>
+      <p:grpSpPr>
+        <a:xfrm>
+          <a:off x="0" y="0"/>
+          <a:ext cx="0" cy="0"/>
+          <a:chOff x="0" y="0"/>
+          <a:chExt cx="0" cy="0"/>
+        </a:xfrm>
+      </p:grpSpPr>
+      <p:sp>
+        <p:nvSpPr>
+          <p:cNvPr id="8" name="Title 7">
+            <a:extLst>
+              <a:ext uri="{FF2B5EF4-FFF2-40B4-BE49-F238E27FC236}">
+                <a16:creationId xmlns:a16="http://schemas.microsoft.com/office/drawing/2014/main" id="{E19BF1C0-EE32-4EEE-9539-CE8473AA2F38}"/>
+              </a:ext>
+            </a:extLst>
+          </p:cNvPr>
+          <p:cNvSpPr>
+            <a:spLocks noGrp="1"/>
+          </p:cNvSpPr>
+          <p:nvPr>
+            <p:ph type="title"/>
+          </p:nvPr>
+        </p:nvSpPr>
+        <p:spPr>
+          <a:xfrm>
+            <a:off x="895534" y="539225"/>
+            <a:ext cx="7011948" cy="1112930"/>
+          </a:xfrm>
+        </p:spPr>
+        <p:txBody>
+          <a:bodyPr>
+            <a:normAutofit/>
+          </a:bodyPr>
+          <a:lstStyle/>
+          <a:p>
+            <a:r>
+              <a:rPr lang="en-US" sz="3600" b="1" dirty="0"/>
+              <a:t>Limitations and What Went Wrong</a:t>
+            </a:r>
+          </a:p>
+        </p:txBody>
+      </p:sp>
+      <p:sp>
+        <p:nvSpPr>
+          <p:cNvPr id="31" name="Slide Number Placeholder 30">
+            <a:extLst>
+              <a:ext uri="{FF2B5EF4-FFF2-40B4-BE49-F238E27FC236}">
+                <a16:creationId xmlns:a16="http://schemas.microsoft.com/office/drawing/2014/main" id="{AD175D2A-0058-45E0-AAF6-7260876F007C}"/>
+              </a:ext>
+            </a:extLst>
+          </p:cNvPr>
+          <p:cNvSpPr>
+            <a:spLocks noGrp="1"/>
+          </p:cNvSpPr>
+          <p:nvPr>
+            <p:ph type="sldNum" sz="quarter" idx="4"/>
+          </p:nvPr>
+        </p:nvSpPr>
+        <p:spPr/>
+        <p:txBody>
+          <a:bodyPr/>
+          <a:lstStyle/>
+          <a:p>
+            <a:fld id="{294A09A9-5501-47C1-A89A-A340965A2BE2}" type="slidenum">
+              <a:rPr lang="en-US" smtClean="0"/>
+              <a:pPr/>
+              <a:t>10</a:t>
+            </a:fld>
+            <a:endParaRPr lang="en-US" dirty="0"/>
+          </a:p>
+        </p:txBody>
+      </p:sp>
+      <p:sp>
+        <p:nvSpPr>
+          <p:cNvPr id="6" name="TextBox 5">
+            <a:extLst>
+              <a:ext uri="{FF2B5EF4-FFF2-40B4-BE49-F238E27FC236}">
+                <a16:creationId xmlns:a16="http://schemas.microsoft.com/office/drawing/2014/main" id="{DF9A7A2D-8E92-4097-A593-E369ABD8930D}"/>
+              </a:ext>
+            </a:extLst>
+          </p:cNvPr>
+          <p:cNvSpPr txBox="1"/>
+          <p:nvPr/>
+        </p:nvSpPr>
+        <p:spPr>
+          <a:xfrm>
+            <a:off x="895534" y="2181225"/>
+            <a:ext cx="10944022" cy="4370427"/>
+          </a:xfrm>
+          <a:prstGeom prst="rect">
+            <a:avLst/>
+          </a:prstGeom>
+          <a:noFill/>
+        </p:spPr>
+        <p:txBody>
+          <a:bodyPr wrap="none" rtlCol="0">
+            <a:spAutoFit/>
+          </a:bodyPr>
+          <a:lstStyle/>
+          <a:p>
+            <a:pPr algn="just"/>
+            <a:r>
+              <a:rPr lang="en-US" dirty="0"/>
+              <a:t>In-care data for each year is just a snapshot on September 30</a:t>
+            </a:r>
+            <a:r>
+              <a:rPr lang="en-US" baseline="30000" dirty="0"/>
+              <a:t>th</a:t>
+            </a:r>
+            <a:r>
+              <a:rPr lang="en-US" dirty="0"/>
+              <a:t>, not an average for that year</a:t>
+            </a:r>
+          </a:p>
+          <a:p>
+            <a:pPr algn="just"/>
+            <a:endParaRPr lang="en-US" dirty="0"/>
+          </a:p>
+          <a:p>
+            <a:pPr algn="just"/>
+            <a:endParaRPr lang="en-US" dirty="0"/>
+          </a:p>
+          <a:p>
+            <a:pPr algn="just"/>
+            <a:r>
+              <a:rPr lang="en-US" dirty="0"/>
+              <a:t>Negative r-squared issue/greater than 1 for some states and foster data</a:t>
+            </a:r>
+          </a:p>
+          <a:p>
+            <a:pPr algn="just"/>
+            <a:endParaRPr lang="en-US" dirty="0"/>
+          </a:p>
+          <a:p>
+            <a:pPr algn="just"/>
+            <a:endParaRPr lang="en-US" dirty="0"/>
+          </a:p>
+          <a:p>
+            <a:pPr algn="just"/>
+            <a:r>
+              <a:rPr lang="en-US" dirty="0"/>
+              <a:t>Predictions assume that all other trends related to society remain stable (Political environment,</a:t>
+            </a:r>
+          </a:p>
+          <a:p>
+            <a:pPr algn="just"/>
+            <a:r>
+              <a:rPr lang="en-US" dirty="0"/>
+              <a:t>economic factors, demographics, etc.)</a:t>
+            </a:r>
+          </a:p>
+          <a:p>
+            <a:pPr marL="742950" lvl="1" indent="-285750" algn="just">
+              <a:buFont typeface="Arial" panose="020B0604020202020204" pitchFamily="34" charset="0"/>
+              <a:buChar char="•"/>
+            </a:pPr>
+            <a:r>
+              <a:rPr lang="en-US" sz="1600" dirty="0"/>
+              <a:t>The COVID pandemic could skew the results for the future, since data available only goes through</a:t>
+            </a:r>
+          </a:p>
+          <a:p>
+            <a:pPr algn="just"/>
+            <a:r>
+              <a:rPr lang="en-US" sz="1600" dirty="0"/>
+              <a:t>	2019</a:t>
+            </a:r>
+          </a:p>
+          <a:p>
+            <a:pPr marL="742950" lvl="1" indent="-285750" algn="just">
+              <a:buFont typeface="Arial" panose="020B0604020202020204" pitchFamily="34" charset="0"/>
+              <a:buChar char="•"/>
+            </a:pPr>
+            <a:r>
+              <a:rPr lang="en-US" sz="1600" dirty="0"/>
+              <a:t>The COVID pandemic could also impact resources available for the next few years</a:t>
+            </a:r>
+          </a:p>
+          <a:p>
+            <a:pPr marL="742950" lvl="1" indent="-285750" algn="just">
+              <a:buFont typeface="Arial" panose="020B0604020202020204" pitchFamily="34" charset="0"/>
+              <a:buChar char="•"/>
+            </a:pPr>
+            <a:endParaRPr lang="en-US" sz="1600" dirty="0"/>
+          </a:p>
+          <a:p>
+            <a:pPr marL="742950" lvl="1" indent="-285750" algn="just">
+              <a:buFont typeface="Arial" panose="020B0604020202020204" pitchFamily="34" charset="0"/>
+              <a:buChar char="•"/>
+            </a:pPr>
+            <a:endParaRPr lang="en-US" sz="1600" dirty="0"/>
+          </a:p>
+          <a:p>
+            <a:pPr algn="just"/>
+            <a:r>
+              <a:rPr lang="en-US" dirty="0"/>
+              <a:t>Child maltreatment data was only available for one year</a:t>
+            </a:r>
+            <a:r>
+              <a:rPr lang="en-US" sz="1600" dirty="0"/>
+              <a:t>	</a:t>
+            </a:r>
+          </a:p>
+          <a:p>
+            <a:endParaRPr lang="en-US" dirty="0"/>
+          </a:p>
+          <a:p>
+            <a:endParaRPr lang="en-US" dirty="0"/>
+          </a:p>
+        </p:txBody>
+      </p:sp>
+    </p:spTree>
+    <p:extLst>
+      <p:ext uri="{BB962C8B-B14F-4D97-AF65-F5344CB8AC3E}">
+        <p14:creationId xmlns:p14="http://schemas.microsoft.com/office/powerpoint/2010/main" val="2563119616"/>
+      </p:ext>
+    </p:extLst>
+  </p:cSld>
+  <p:clrMapOvr>
+    <a:masterClrMapping/>
+  </p:clrMapOvr>
+</p:sld>
+</file>
+
+<file path=ppt/slides/slide11.xml><?xml version="1.0" encoding="utf-8"?>
+<p:sld xmlns:a="http://schemas.openxmlformats.org/drawingml/2006/main" xmlns:r="http://schemas.openxmlformats.org/officeDocument/2006/relationships" xmlns:p="http://schemas.openxmlformats.org/presentationml/2006/main">
+  <p:cSld>
+    <p:bg>
+      <p:bgPr>
+        <a:solidFill>
           <a:schemeClr val="accent1"/>
         </a:solidFill>
         <a:effectLst/>
@@ -6340,120 +6753,17 @@
           <a:p>
             <a:r>
               <a:rPr lang="en-US" b="1" dirty="0"/>
-              <a:t>The Info!</a:t>
-            </a:r>
-          </a:p>
-        </p:txBody>
-      </p:sp>
-    </p:spTree>
-    <p:extLst>
-      <p:ext uri="{BB962C8B-B14F-4D97-AF65-F5344CB8AC3E}">
-        <p14:creationId xmlns:p14="http://schemas.microsoft.com/office/powerpoint/2010/main" val="1973631857"/>
-      </p:ext>
-    </p:extLst>
-  </p:cSld>
-  <p:clrMapOvr>
-    <a:masterClrMapping/>
-  </p:clrMapOvr>
-</p:sld>
-</file>
-
-<file path=ppt/slides/slide11.xml><?xml version="1.0" encoding="utf-8"?>
-<p:sld xmlns:a="http://schemas.openxmlformats.org/drawingml/2006/main" xmlns:r="http://schemas.openxmlformats.org/officeDocument/2006/relationships" xmlns:p="http://schemas.openxmlformats.org/presentationml/2006/main">
-  <p:cSld>
-    <p:bg>
-      <p:bgPr>
-        <a:solidFill>
-          <a:schemeClr val="bg2"/>
-        </a:solidFill>
-        <a:effectLst/>
-      </p:bgPr>
-    </p:bg>
-    <p:spTree>
-      <p:nvGrpSpPr>
-        <p:cNvPr id="1" name=""/>
-        <p:cNvGrpSpPr/>
-        <p:nvPr/>
-      </p:nvGrpSpPr>
-      <p:grpSpPr>
-        <a:xfrm>
-          <a:off x="0" y="0"/>
-          <a:ext cx="0" cy="0"/>
-          <a:chOff x="0" y="0"/>
-          <a:chExt cx="0" cy="0"/>
-        </a:xfrm>
-      </p:grpSpPr>
-      <p:sp>
-        <p:nvSpPr>
-          <p:cNvPr id="8" name="Title 7">
-            <a:extLst>
-              <a:ext uri="{FF2B5EF4-FFF2-40B4-BE49-F238E27FC236}">
-                <a16:creationId xmlns:a16="http://schemas.microsoft.com/office/drawing/2014/main" id="{E19BF1C0-EE32-4EEE-9539-CE8473AA2F38}"/>
-              </a:ext>
-            </a:extLst>
-          </p:cNvPr>
-          <p:cNvSpPr>
-            <a:spLocks noGrp="1"/>
-          </p:cNvSpPr>
-          <p:nvPr>
-            <p:ph type="title"/>
-          </p:nvPr>
-        </p:nvSpPr>
-        <p:spPr>
-          <a:xfrm>
-            <a:off x="895534" y="539225"/>
-            <a:ext cx="7011948" cy="1112930"/>
-          </a:xfrm>
-        </p:spPr>
-        <p:txBody>
-          <a:bodyPr>
-            <a:normAutofit/>
-          </a:bodyPr>
-          <a:lstStyle/>
-          <a:p>
-            <a:r>
-              <a:rPr lang="en-US" sz="3600" b="1" dirty="0"/>
-              <a:t>Limitations and What Went Wrong</a:t>
-            </a:r>
-          </a:p>
-        </p:txBody>
-      </p:sp>
-      <p:sp>
-        <p:nvSpPr>
-          <p:cNvPr id="31" name="Slide Number Placeholder 30">
-            <a:extLst>
-              <a:ext uri="{FF2B5EF4-FFF2-40B4-BE49-F238E27FC236}">
-                <a16:creationId xmlns:a16="http://schemas.microsoft.com/office/drawing/2014/main" id="{AD175D2A-0058-45E0-AAF6-7260876F007C}"/>
-              </a:ext>
-            </a:extLst>
-          </p:cNvPr>
-          <p:cNvSpPr>
-            <a:spLocks noGrp="1"/>
-          </p:cNvSpPr>
-          <p:nvPr>
-            <p:ph type="sldNum" sz="quarter" idx="4"/>
-          </p:nvPr>
-        </p:nvSpPr>
-        <p:spPr/>
-        <p:txBody>
-          <a:bodyPr/>
-          <a:lstStyle/>
-          <a:p>
-            <a:fld id="{294A09A9-5501-47C1-A89A-A340965A2BE2}" type="slidenum">
-              <a:rPr lang="en-US" smtClean="0"/>
-              <a:pPr/>
-              <a:t>11</a:t>
-            </a:fld>
-            <a:endParaRPr lang="en-US" dirty="0"/>
-          </a:p>
-        </p:txBody>
-      </p:sp>
-      <p:sp>
-        <p:nvSpPr>
-          <p:cNvPr id="6" name="TextBox 5">
-            <a:extLst>
-              <a:ext uri="{FF2B5EF4-FFF2-40B4-BE49-F238E27FC236}">
-                <a16:creationId xmlns:a16="http://schemas.microsoft.com/office/drawing/2014/main" id="{DF9A7A2D-8E92-4097-A593-E369ABD8930D}"/>
+              <a:t>Data Used</a:t>
+            </a:r>
+          </a:p>
+        </p:txBody>
+      </p:sp>
+      <p:sp>
+        <p:nvSpPr>
+          <p:cNvPr id="2" name="TextBox 1">
+            <a:extLst>
+              <a:ext uri="{FF2B5EF4-FFF2-40B4-BE49-F238E27FC236}">
+                <a16:creationId xmlns:a16="http://schemas.microsoft.com/office/drawing/2014/main" id="{9361FF8C-176D-48C4-8E46-244EF48BA030}"/>
               </a:ext>
             </a:extLst>
           </p:cNvPr>
@@ -6462,8 +6772,8 @@
         </p:nvSpPr>
         <p:spPr>
           <a:xfrm>
-            <a:off x="895534" y="2181225"/>
-            <a:ext cx="9531777" cy="923330"/>
+            <a:off x="345909" y="1362075"/>
+            <a:ext cx="7791450" cy="3416320"/>
           </a:xfrm>
           <a:prstGeom prst="rect">
             <a:avLst/>
@@ -6471,39 +6781,309 @@
           <a:noFill/>
         </p:spPr>
         <p:txBody>
-          <a:bodyPr wrap="none" rtlCol="0">
+          <a:bodyPr wrap="square" rtlCol="0">
             <a:spAutoFit/>
           </a:bodyPr>
           <a:lstStyle/>
           <a:p>
-            <a:r>
-              <a:rPr lang="en-US" dirty="0"/>
-              <a:t>Data for each year just a snapshot on September 30</a:t>
-            </a:r>
-            <a:r>
-              <a:rPr lang="en-US" baseline="30000" dirty="0"/>
-              <a:t>th</a:t>
-            </a:r>
-            <a:r>
-              <a:rPr lang="en-US" dirty="0"/>
-              <a:t>, not an average for that year</a:t>
-            </a:r>
-          </a:p>
-          <a:p>
-            <a:endParaRPr lang="en-US" dirty="0"/>
-          </a:p>
-          <a:p>
-            <a:r>
-              <a:rPr lang="en-US" dirty="0"/>
-              <a:t>Negative r-squared issue/greater than 1</a:t>
-            </a:r>
+            <a:pPr marL="342900" marR="0" lvl="0" indent="-342900">
+              <a:spcBef>
+                <a:spcPts val="0"/>
+              </a:spcBef>
+              <a:spcAft>
+                <a:spcPts val="0"/>
+              </a:spcAft>
+              <a:buFont typeface="Symbol" panose="05050102010706020507" pitchFamily="18" charset="2"/>
+              <a:buChar char=""/>
+            </a:pPr>
+            <a:r>
+              <a:rPr lang="en-US" sz="1800" dirty="0">
+                <a:solidFill>
+                  <a:schemeClr val="accent2">
+                    <a:lumMod val="50000"/>
+                  </a:schemeClr>
+                </a:solidFill>
+                <a:effectLst/>
+                <a:ea typeface="Calibri" panose="020F0502020204030204" pitchFamily="34" charset="0"/>
+                <a:cs typeface="Times New Roman" panose="02020603050405020304" pitchFamily="18" charset="0"/>
+              </a:rPr>
+              <a:t>"Foster Trends in America”:</a:t>
+            </a:r>
+          </a:p>
+          <a:p>
+            <a:pPr marL="457200" marR="0">
+              <a:spcBef>
+                <a:spcPts val="0"/>
+              </a:spcBef>
+              <a:spcAft>
+                <a:spcPts val="0"/>
+              </a:spcAft>
+            </a:pPr>
+            <a:r>
+              <a:rPr lang="en-US" sz="1800" u="none" strike="noStrike" dirty="0">
+                <a:solidFill>
+                  <a:srgbClr val="0563C1"/>
+                </a:solidFill>
+                <a:effectLst/>
+                <a:latin typeface="Slack-Lato"/>
+                <a:ea typeface="Times New Roman" panose="02020603050405020304" pitchFamily="18" charset="0"/>
+                <a:cs typeface="Calibri" panose="020F0502020204030204" pitchFamily="34" charset="0"/>
+                <a:hlinkClick r:id="rId2"/>
+              </a:rPr>
+              <a:t>https://www.acf.hhs.gov/cb/resource/trends-in-foster-care-and-adoption</a:t>
+            </a:r>
+            <a:endParaRPr lang="en-US" sz="1800" u="none" strike="noStrike" dirty="0">
+              <a:solidFill>
+                <a:srgbClr val="0563C1"/>
+              </a:solidFill>
+              <a:effectLst/>
+              <a:latin typeface="Slack-Lato"/>
+              <a:ea typeface="Times New Roman" panose="02020603050405020304" pitchFamily="18" charset="0"/>
+              <a:cs typeface="Calibri" panose="020F0502020204030204" pitchFamily="34" charset="0"/>
+            </a:endParaRPr>
+          </a:p>
+          <a:p>
+            <a:pPr marL="457200" marR="0">
+              <a:spcBef>
+                <a:spcPts val="0"/>
+              </a:spcBef>
+              <a:spcAft>
+                <a:spcPts val="0"/>
+              </a:spcAft>
+            </a:pPr>
+            <a:endParaRPr lang="en-US" dirty="0">
+              <a:solidFill>
+                <a:srgbClr val="0563C1"/>
+              </a:solidFill>
+              <a:latin typeface="Slack-Lato"/>
+              <a:ea typeface="Calibri" panose="020F0502020204030204" pitchFamily="34" charset="0"/>
+              <a:cs typeface="Calibri" panose="020F0502020204030204" pitchFamily="34" charset="0"/>
+            </a:endParaRPr>
+          </a:p>
+          <a:p>
+            <a:pPr marL="457200" marR="0">
+              <a:spcBef>
+                <a:spcPts val="0"/>
+              </a:spcBef>
+              <a:spcAft>
+                <a:spcPts val="0"/>
+              </a:spcAft>
+            </a:pPr>
+            <a:endParaRPr lang="en-US" dirty="0">
+              <a:solidFill>
+                <a:srgbClr val="0563C1"/>
+              </a:solidFill>
+              <a:latin typeface="Slack-Lato"/>
+              <a:ea typeface="Calibri" panose="020F0502020204030204" pitchFamily="34" charset="0"/>
+              <a:cs typeface="Calibri" panose="020F0502020204030204" pitchFamily="34" charset="0"/>
+            </a:endParaRPr>
+          </a:p>
+          <a:p>
+            <a:pPr marL="457200" marR="0">
+              <a:spcBef>
+                <a:spcPts val="0"/>
+              </a:spcBef>
+              <a:spcAft>
+                <a:spcPts val="0"/>
+              </a:spcAft>
+            </a:pPr>
+            <a:endParaRPr lang="en-US" dirty="0">
+              <a:solidFill>
+                <a:srgbClr val="0563C1"/>
+              </a:solidFill>
+              <a:latin typeface="Slack-Lato"/>
+              <a:ea typeface="Calibri" panose="020F0502020204030204" pitchFamily="34" charset="0"/>
+              <a:cs typeface="Calibri" panose="020F0502020204030204" pitchFamily="34" charset="0"/>
+            </a:endParaRPr>
+          </a:p>
+          <a:p>
+            <a:pPr marL="342900" marR="0" lvl="0" indent="-342900">
+              <a:spcBef>
+                <a:spcPts val="0"/>
+              </a:spcBef>
+              <a:spcAft>
+                <a:spcPts val="0"/>
+              </a:spcAft>
+              <a:buFont typeface="Symbol" panose="05050102010706020507" pitchFamily="18" charset="2"/>
+              <a:buChar char=""/>
+            </a:pPr>
+            <a:r>
+              <a:rPr lang="en-US" sz="1800" dirty="0">
+                <a:solidFill>
+                  <a:schemeClr val="accent2">
+                    <a:lumMod val="50000"/>
+                  </a:schemeClr>
+                </a:solidFill>
+                <a:effectLst/>
+                <a:ea typeface="Calibri" panose="020F0502020204030204" pitchFamily="34" charset="0"/>
+                <a:cs typeface="Times New Roman" panose="02020603050405020304" pitchFamily="18" charset="0"/>
+              </a:rPr>
+              <a:t>“Child Maltreatment 2011”</a:t>
+            </a:r>
+          </a:p>
+          <a:p>
+            <a:pPr lvl="1"/>
+            <a:r>
+              <a:rPr lang="en-US" b="0" i="0" dirty="0">
+                <a:effectLst/>
+                <a:latin typeface="Slack-Lato"/>
+                <a:hlinkClick r:id="rId3"/>
+              </a:rPr>
+              <a:t>https://www.acf.hhs.gov/sites/default/files/documents/cb/cm11.pdf</a:t>
+            </a:r>
+            <a:endParaRPr lang="en-US" sz="1800" dirty="0">
+              <a:solidFill>
+                <a:schemeClr val="accent2">
+                  <a:lumMod val="50000"/>
+                </a:schemeClr>
+              </a:solidFill>
+              <a:effectLst/>
+              <a:ea typeface="Calibri" panose="020F0502020204030204" pitchFamily="34" charset="0"/>
+              <a:cs typeface="Times New Roman" panose="02020603050405020304" pitchFamily="18" charset="0"/>
+            </a:endParaRPr>
+          </a:p>
+          <a:p>
+            <a:pPr marL="342900" marR="0" lvl="0" indent="-342900">
+              <a:spcBef>
+                <a:spcPts val="0"/>
+              </a:spcBef>
+              <a:spcAft>
+                <a:spcPts val="0"/>
+              </a:spcAft>
+              <a:buFont typeface="Symbol" panose="05050102010706020507" pitchFamily="18" charset="2"/>
+              <a:buChar char=""/>
+            </a:pPr>
+            <a:endParaRPr lang="en-US" dirty="0">
+              <a:solidFill>
+                <a:schemeClr val="accent2">
+                  <a:lumMod val="50000"/>
+                </a:schemeClr>
+              </a:solidFill>
+              <a:ea typeface="Calibri" panose="020F0502020204030204" pitchFamily="34" charset="0"/>
+              <a:cs typeface="Times New Roman" panose="02020603050405020304" pitchFamily="18" charset="0"/>
+            </a:endParaRPr>
+          </a:p>
+          <a:p>
+            <a:pPr marR="0" lvl="0">
+              <a:spcBef>
+                <a:spcPts val="0"/>
+              </a:spcBef>
+              <a:spcAft>
+                <a:spcPts val="0"/>
+              </a:spcAft>
+            </a:pPr>
+            <a:endParaRPr lang="en-US" dirty="0">
+              <a:solidFill>
+                <a:schemeClr val="accent2">
+                  <a:lumMod val="50000"/>
+                </a:schemeClr>
+              </a:solidFill>
+              <a:ea typeface="Calibri" panose="020F0502020204030204" pitchFamily="34" charset="0"/>
+              <a:cs typeface="Times New Roman" panose="02020603050405020304" pitchFamily="18" charset="0"/>
+            </a:endParaRPr>
+          </a:p>
+          <a:p>
+            <a:pPr marL="342900" marR="0" lvl="0" indent="-342900">
+              <a:spcBef>
+                <a:spcPts val="0"/>
+              </a:spcBef>
+              <a:spcAft>
+                <a:spcPts val="0"/>
+              </a:spcAft>
+              <a:buFont typeface="Symbol" panose="05050102010706020507" pitchFamily="18" charset="2"/>
+              <a:buChar char=""/>
+            </a:pPr>
+            <a:endParaRPr lang="en-US" dirty="0">
+              <a:solidFill>
+                <a:schemeClr val="accent2">
+                  <a:lumMod val="50000"/>
+                </a:schemeClr>
+              </a:solidFill>
+              <a:ea typeface="Calibri" panose="020F0502020204030204" pitchFamily="34" charset="0"/>
+              <a:cs typeface="Times New Roman" panose="02020603050405020304" pitchFamily="18" charset="0"/>
+            </a:endParaRPr>
+          </a:p>
+          <a:p>
+            <a:pPr marL="342900" marR="0" lvl="0" indent="-342900">
+              <a:spcBef>
+                <a:spcPts val="0"/>
+              </a:spcBef>
+              <a:spcAft>
+                <a:spcPts val="0"/>
+              </a:spcAft>
+              <a:buFont typeface="Symbol" panose="05050102010706020507" pitchFamily="18" charset="2"/>
+              <a:buChar char=""/>
+            </a:pPr>
+            <a:r>
+              <a:rPr lang="en-US" sz="1800" dirty="0">
+                <a:solidFill>
+                  <a:schemeClr val="accent2">
+                    <a:lumMod val="50000"/>
+                  </a:schemeClr>
+                </a:solidFill>
+                <a:effectLst/>
+                <a:ea typeface="Calibri" panose="020F0502020204030204" pitchFamily="34" charset="0"/>
+                <a:cs typeface="Times New Roman" panose="02020603050405020304" pitchFamily="18" charset="0"/>
+              </a:rPr>
+              <a:t>“Voices for Children”</a:t>
+            </a:r>
+          </a:p>
+          <a:p>
+            <a:pPr marR="0" lvl="0">
+              <a:spcBef>
+                <a:spcPts val="0"/>
+              </a:spcBef>
+              <a:spcAft>
+                <a:spcPts val="0"/>
+              </a:spcAft>
+            </a:pPr>
+            <a:r>
+              <a:rPr lang="en-US" sz="1800" dirty="0">
+                <a:solidFill>
+                  <a:schemeClr val="accent2">
+                    <a:lumMod val="50000"/>
+                  </a:schemeClr>
+                </a:solidFill>
+                <a:effectLst/>
+                <a:latin typeface="Slack-Lato"/>
+                <a:ea typeface="Calibri" panose="020F0502020204030204" pitchFamily="34" charset="0"/>
+                <a:cs typeface="Times New Roman" panose="02020603050405020304" pitchFamily="18" charset="0"/>
+              </a:rPr>
+              <a:t>         </a:t>
+            </a:r>
+            <a:r>
+              <a:rPr lang="en-US" sz="1800" dirty="0">
+                <a:solidFill>
+                  <a:schemeClr val="accent2">
+                    <a:lumMod val="50000"/>
+                  </a:schemeClr>
+                </a:solidFill>
+                <a:effectLst/>
+                <a:latin typeface="Slack-Lato"/>
+                <a:ea typeface="Calibri" panose="020F0502020204030204" pitchFamily="34" charset="0"/>
+                <a:cs typeface="Times New Roman" panose="02020603050405020304" pitchFamily="18" charset="0"/>
+                <a:hlinkClick r:id="rId4"/>
+              </a:rPr>
+              <a:t>https://www.speakupnow.org/foster-care-statistics-resources/</a:t>
+            </a:r>
+            <a:endParaRPr lang="en-US" sz="1800" dirty="0">
+              <a:solidFill>
+                <a:schemeClr val="accent2">
+                  <a:lumMod val="50000"/>
+                </a:schemeClr>
+              </a:solidFill>
+              <a:effectLst/>
+              <a:latin typeface="Slack-Lato"/>
+              <a:ea typeface="Calibri" panose="020F0502020204030204" pitchFamily="34" charset="0"/>
+              <a:cs typeface="Times New Roman" panose="02020603050405020304" pitchFamily="18" charset="0"/>
+            </a:endParaRPr>
           </a:p>
         </p:txBody>
       </p:sp>
     </p:spTree>
     <p:extLst>
       <p:ext uri="{BB962C8B-B14F-4D97-AF65-F5344CB8AC3E}">
-        <p14:creationId xmlns:p14="http://schemas.microsoft.com/office/powerpoint/2010/main" val="2563119616"/>
+        <p14:creationId xmlns:p14="http://schemas.microsoft.com/office/powerpoint/2010/main" val="1516709578"/>
       </p:ext>
     </p:extLst>
   </p:cSld>
@@ -6605,7 +7185,7 @@
           <a:p>
             <a:r>
               <a:rPr lang="en-US" dirty="0"/>
-              <a:t>How you can help: Donating | Volunteering | Fostering</a:t>
+              <a:t>How you can help: Donating | Volunteering | Fostering | Adopting</a:t>
             </a:r>
           </a:p>
         </p:txBody>
@@ -6625,7 +7205,7 @@
         <p:spPr>
           <a:xfrm>
             <a:off x="895463" y="1779033"/>
-            <a:ext cx="9810638" cy="4985980"/>
+            <a:ext cx="9810638" cy="6247864"/>
           </a:xfrm>
           <a:prstGeom prst="rect">
             <a:avLst/>
@@ -6639,7 +7219,11 @@
           <a:lstStyle/>
           <a:p>
             <a:r>
-              <a:rPr lang="en-US" sz="1200" dirty="0"/>
+              <a:rPr lang="en-US" sz="1400" dirty="0">
+                <a:solidFill>
+                  <a:schemeClr val="bg1"/>
+                </a:solidFill>
+              </a:rPr>
               <a:t>KVC Kansas</a:t>
             </a:r>
           </a:p>
@@ -6647,8 +7231,9 @@
             <a:r>
               <a:rPr lang="en-US" sz="1200" b="0" i="0" dirty="0">
                 <a:solidFill>
-                  <a:schemeClr val="accent2">
+                  <a:schemeClr val="bg1">
                     <a:lumMod val="50000"/>
+                    <a:lumOff val="50000"/>
                   </a:schemeClr>
                 </a:solidFill>
                 <a:effectLst/>
@@ -6658,8 +7243,9 @@
             </a:r>
             <a:endParaRPr lang="en-US" sz="1200" dirty="0">
               <a:solidFill>
-                <a:schemeClr val="accent2">
+                <a:schemeClr val="bg1">
                   <a:lumMod val="50000"/>
+                  <a:lumOff val="50000"/>
                 </a:schemeClr>
               </a:solidFill>
             </a:endParaRPr>
@@ -6677,17 +7263,25 @@
             <a:endParaRPr lang="en-US" sz="1200" dirty="0"/>
           </a:p>
           <a:p>
-            <a:r>
-              <a:rPr lang="en-US" sz="1200" dirty="0"/>
-              <a:t>DCCA</a:t>
+            <a:endParaRPr lang="en-US" sz="1200" dirty="0"/>
+          </a:p>
+          <a:p>
+            <a:r>
+              <a:rPr lang="en-US" sz="1400" dirty="0">
+                <a:solidFill>
+                  <a:schemeClr val="bg1"/>
+                </a:solidFill>
+              </a:rPr>
+              <a:t>DCCCA</a:t>
             </a:r>
           </a:p>
           <a:p>
             <a:r>
               <a:rPr lang="en-US" sz="1200" b="0" i="0" dirty="0">
                 <a:solidFill>
-                  <a:schemeClr val="accent2">
+                  <a:schemeClr val="bg1">
                     <a:lumMod val="50000"/>
+                    <a:lumOff val="50000"/>
                   </a:schemeClr>
                 </a:solidFill>
                 <a:effectLst/>
@@ -6697,8 +7291,9 @@
             </a:r>
             <a:endParaRPr lang="en-US" sz="1200" dirty="0">
               <a:solidFill>
-                <a:schemeClr val="accent2">
+                <a:schemeClr val="bg1">
                   <a:lumMod val="50000"/>
+                  <a:lumOff val="50000"/>
                 </a:schemeClr>
               </a:solidFill>
             </a:endParaRPr>
@@ -6713,11 +7308,26 @@
             <a:endParaRPr lang="en-US" sz="1200" dirty="0"/>
           </a:p>
           <a:p>
-            <a:endParaRPr lang="en-US" sz="1200" dirty="0"/>
-          </a:p>
-          <a:p>
-            <a:r>
-              <a:rPr lang="en-US" sz="1200" dirty="0"/>
+            <a:endParaRPr lang="en-US" sz="1200" dirty="0">
+              <a:solidFill>
+                <a:schemeClr val="bg1"/>
+              </a:solidFill>
+            </a:endParaRPr>
+          </a:p>
+          <a:p>
+            <a:endParaRPr lang="en-US" sz="1200" dirty="0">
+              <a:solidFill>
+                <a:schemeClr val="bg1"/>
+              </a:solidFill>
+            </a:endParaRPr>
+          </a:p>
+          <a:p>
+            <a:r>
+              <a:rPr lang="en-US" sz="1400" dirty="0">
+                <a:solidFill>
+                  <a:schemeClr val="bg1"/>
+                </a:solidFill>
+              </a:rPr>
               <a:t>Cornerstones of Care</a:t>
             </a:r>
           </a:p>
@@ -6725,8 +7335,9 @@
             <a:r>
               <a:rPr lang="en-US" sz="1200" b="0" i="0" dirty="0">
                 <a:solidFill>
-                  <a:schemeClr val="accent2">
+                  <a:schemeClr val="bg1">
                     <a:lumMod val="50000"/>
+                    <a:lumOff val="50000"/>
                   </a:schemeClr>
                 </a:solidFill>
                 <a:effectLst/>
@@ -6736,8 +7347,9 @@
             </a:r>
             <a:endParaRPr lang="en-US" sz="1200" dirty="0">
               <a:solidFill>
-                <a:schemeClr val="accent2">
+                <a:schemeClr val="bg1">
                   <a:lumMod val="50000"/>
+                  <a:lumOff val="50000"/>
                 </a:schemeClr>
               </a:solidFill>
             </a:endParaRPr>
@@ -6755,40 +7367,37 @@
             <a:endParaRPr lang="en-US" sz="1200" dirty="0"/>
           </a:p>
           <a:p>
-            <a:r>
-              <a:rPr lang="en-US" sz="1200" dirty="0"/>
+            <a:endParaRPr lang="en-US" sz="1200" dirty="0"/>
+          </a:p>
+          <a:p>
+            <a:r>
+              <a:rPr lang="en-US" sz="1400" dirty="0">
+                <a:solidFill>
+                  <a:schemeClr val="bg1"/>
+                </a:solidFill>
+              </a:rPr>
               <a:t>Adopt US Kids</a:t>
             </a:r>
           </a:p>
           <a:p>
             <a:r>
-              <a:rPr lang="en-US" sz="1200" b="0" i="0" dirty="0" err="1">
-                <a:solidFill>
-                  <a:schemeClr val="accent2">
+              <a:rPr lang="en-US" sz="1200" b="0" i="0" dirty="0">
+                <a:solidFill>
+                  <a:schemeClr val="bg1">
                     <a:lumMod val="50000"/>
+                    <a:lumOff val="50000"/>
                   </a:schemeClr>
                 </a:solidFill>
                 <a:effectLst/>
                 <a:latin typeface="Slack-Lato"/>
               </a:rPr>
-              <a:t>AdoptUSKids</a:t>
-            </a:r>
-            <a:r>
-              <a:rPr lang="en-US" sz="1200" b="0" i="0" dirty="0">
-                <a:solidFill>
-                  <a:schemeClr val="accent2">
-                    <a:lumMod val="50000"/>
-                  </a:schemeClr>
-                </a:solidFill>
-                <a:effectLst/>
-                <a:latin typeface="Slack-Lato"/>
-              </a:rPr>
-              <a:t> is a national project that supports child welfare systems and connects children in foster care with families.</a:t>
+              <a:t>AdoptUSKids is a national project that supports child welfare systems and connects children in foster care with families.</a:t>
             </a:r>
             <a:endParaRPr lang="en-US" sz="1200" dirty="0">
               <a:solidFill>
-                <a:schemeClr val="accent2">
+                <a:schemeClr val="bg1">
                   <a:lumMod val="50000"/>
+                  <a:lumOff val="50000"/>
                 </a:schemeClr>
               </a:solidFill>
             </a:endParaRPr>
@@ -6806,12 +7415,68 @@
             <a:endParaRPr lang="en-US" sz="1200" dirty="0"/>
           </a:p>
           <a:p>
-            <a:r>
-              <a:rPr lang="en-US" sz="1200" dirty="0"/>
-              <a:t>Missouri Baptist Children’s Home</a:t>
-            </a:r>
-          </a:p>
-          <a:p>
+            <a:endParaRPr lang="en-US" sz="1200" dirty="0"/>
+          </a:p>
+          <a:p>
+            <a:r>
+              <a:rPr lang="en-US" sz="1400" dirty="0">
+                <a:solidFill>
+                  <a:schemeClr val="bg1"/>
+                </a:solidFill>
+              </a:rPr>
+              <a:t>Missouri Baptist Children’s Home (LIGHT House Maternity Home)</a:t>
+            </a:r>
+          </a:p>
+          <a:p>
+            <a:pPr marL="0" marR="0" lvl="0" indent="0" algn="l" defTabSz="914400" rtl="0" eaLnBrk="1" fontAlgn="auto" latinLnBrk="0" hangingPunct="1">
+              <a:lnSpc>
+                <a:spcPct val="100000"/>
+              </a:lnSpc>
+              <a:spcBef>
+                <a:spcPts val="0"/>
+              </a:spcBef>
+              <a:spcAft>
+                <a:spcPts val="0"/>
+              </a:spcAft>
+              <a:buClrTx/>
+              <a:buSzTx/>
+              <a:buFontTx/>
+              <a:buNone/>
+              <a:tabLst/>
+              <a:defRPr/>
+            </a:pPr>
+            <a:r>
+              <a:rPr lang="en-US" sz="1200" i="0" dirty="0">
+                <a:solidFill>
+                  <a:schemeClr val="bg1">
+                    <a:lumMod val="50000"/>
+                    <a:lumOff val="50000"/>
+                  </a:schemeClr>
+                </a:solidFill>
+                <a:effectLst/>
+                <a:latin typeface="-apple-system"/>
+              </a:rPr>
+              <a:t>The LIGHT House is for young pregnant ladies aged 12 - 21 who need a safe place to stay while pregnant, we offer full residential services. All residential services are provided free of charge.</a:t>
+            </a:r>
+          </a:p>
+          <a:p>
+            <a:pPr marL="0" marR="0" lvl="0" indent="0" algn="l" defTabSz="914400" rtl="0" eaLnBrk="1" fontAlgn="auto" latinLnBrk="0" hangingPunct="1">
+              <a:lnSpc>
+                <a:spcPct val="100000"/>
+              </a:lnSpc>
+              <a:spcBef>
+                <a:spcPts val="0"/>
+              </a:spcBef>
+              <a:spcAft>
+                <a:spcPts val="0"/>
+              </a:spcAft>
+              <a:buClrTx/>
+              <a:buSzTx/>
+              <a:buFontTx/>
+              <a:buNone/>
+              <a:tabLst/>
+              <a:defRPr/>
+            </a:pPr>
             <a:r>
               <a:rPr lang="en-US" sz="1200" dirty="0">
                 <a:hlinkClick r:id="rId7"/>
@@ -6841,6 +7506,139 @@
     <p:extLst>
       <p:ext uri="{BB962C8B-B14F-4D97-AF65-F5344CB8AC3E}">
         <p14:creationId xmlns:p14="http://schemas.microsoft.com/office/powerpoint/2010/main" val="210569093"/>
+      </p:ext>
+    </p:extLst>
+  </p:cSld>
+  <p:clrMapOvr>
+    <a:masterClrMapping/>
+  </p:clrMapOvr>
+</p:sld>
+</file>
+
+<file path=ppt/slides/slide13.xml><?xml version="1.0" encoding="utf-8"?>
+<p:sld xmlns:a="http://schemas.openxmlformats.org/drawingml/2006/main" xmlns:r="http://schemas.openxmlformats.org/officeDocument/2006/relationships" xmlns:p="http://schemas.openxmlformats.org/presentationml/2006/main">
+  <p:cSld>
+    <p:bg>
+      <p:bgPr>
+        <a:solidFill>
+          <a:schemeClr val="accent1">
+            <a:lumMod val="90000"/>
+          </a:schemeClr>
+        </a:solidFill>
+        <a:effectLst/>
+      </p:bgPr>
+    </p:bg>
+    <p:spTree>
+      <p:nvGrpSpPr>
+        <p:cNvPr id="1" name=""/>
+        <p:cNvGrpSpPr/>
+        <p:nvPr/>
+      </p:nvGrpSpPr>
+      <p:grpSpPr>
+        <a:xfrm>
+          <a:off x="0" y="0"/>
+          <a:ext cx="0" cy="0"/>
+          <a:chOff x="0" y="0"/>
+          <a:chExt cx="0" cy="0"/>
+        </a:xfrm>
+      </p:grpSpPr>
+      <p:sp>
+        <p:nvSpPr>
+          <p:cNvPr id="4" name="Title 3">
+            <a:extLst>
+              <a:ext uri="{FF2B5EF4-FFF2-40B4-BE49-F238E27FC236}">
+                <a16:creationId xmlns:a16="http://schemas.microsoft.com/office/drawing/2014/main" id="{88467C95-DF23-40B9-B265-2E6F3DE29030}"/>
+              </a:ext>
+            </a:extLst>
+          </p:cNvPr>
+          <p:cNvSpPr>
+            <a:spLocks noGrp="1"/>
+          </p:cNvSpPr>
+          <p:nvPr>
+            <p:ph type="title"/>
+          </p:nvPr>
+        </p:nvSpPr>
+        <p:spPr>
+          <a:xfrm>
+            <a:off x="377618" y="876299"/>
+            <a:ext cx="6124462" cy="4517822"/>
+          </a:xfrm>
+        </p:spPr>
+        <p:txBody>
+          <a:bodyPr>
+            <a:normAutofit/>
+          </a:bodyPr>
+          <a:lstStyle/>
+          <a:p>
+            <a:pPr algn="ctr"/>
+            <a:br>
+              <a:rPr lang="en-US" sz="2800" i="1" dirty="0">
+                <a:solidFill>
+                  <a:srgbClr val="F2F1EE"/>
+                </a:solidFill>
+                <a:latin typeface="+mn-lt"/>
+              </a:rPr>
+            </a:br>
+            <a:br>
+              <a:rPr lang="en-US" sz="8000" i="1" dirty="0">
+                <a:solidFill>
+                  <a:srgbClr val="F2F1EE"/>
+                </a:solidFill>
+                <a:latin typeface="+mn-lt"/>
+              </a:rPr>
+            </a:br>
+            <a:r>
+              <a:rPr lang="en-US" sz="13800" i="1" dirty="0">
+                <a:solidFill>
+                  <a:schemeClr val="bg1"/>
+                </a:solidFill>
+                <a:latin typeface="+mn-lt"/>
+              </a:rPr>
+              <a:t>Q &amp; A</a:t>
+            </a:r>
+            <a:endParaRPr lang="en-US" sz="2800" i="1" dirty="0">
+              <a:solidFill>
+                <a:schemeClr val="bg1"/>
+              </a:solidFill>
+              <a:latin typeface="+mn-lt"/>
+            </a:endParaRPr>
+          </a:p>
+        </p:txBody>
+      </p:sp>
+      <p:pic>
+        <p:nvPicPr>
+          <p:cNvPr id="6" name="Picture Placeholder 5" descr="Icon&#10;&#10;Description automatically generated">
+            <a:extLst>
+              <a:ext uri="{FF2B5EF4-FFF2-40B4-BE49-F238E27FC236}">
+                <a16:creationId xmlns:a16="http://schemas.microsoft.com/office/drawing/2014/main" id="{58888732-609B-4B77-A0D2-77E4F4D66E75}"/>
+              </a:ext>
+            </a:extLst>
+          </p:cNvPr>
+          <p:cNvPicPr>
+            <a:picLocks noGrp="1" noChangeAspect="1"/>
+          </p:cNvPicPr>
+          <p:nvPr>
+            <p:ph type="pic" sz="quarter" idx="11"/>
+          </p:nvPr>
+        </p:nvPicPr>
+        <p:blipFill>
+          <a:blip r:embed="rId3"/>
+          <a:srcRect l="8596" r="8596"/>
+          <a:stretch>
+            <a:fillRect/>
+          </a:stretch>
+        </p:blipFill>
+        <p:spPr>
+          <a:xfrm>
+            <a:off x="6408450" y="565943"/>
+            <a:ext cx="5181486" cy="5726113"/>
+          </a:xfrm>
+        </p:spPr>
+      </p:pic>
+    </p:spTree>
+    <p:extLst>
+      <p:ext uri="{BB962C8B-B14F-4D97-AF65-F5344CB8AC3E}">
+        <p14:creationId xmlns:p14="http://schemas.microsoft.com/office/powerpoint/2010/main" val="1614234544"/>
       </p:ext>
     </p:extLst>
   </p:cSld>
@@ -7094,7 +7892,7 @@
               </a:pPr>
               <a:t>2</a:t>
             </a:fld>
-            <a:endParaRPr lang="en-US"/>
+            <a:endParaRPr lang="en-US" dirty="0"/>
           </a:p>
         </p:txBody>
       </p:sp>
@@ -7233,7 +8031,7 @@
           </a:bodyPr>
           <a:lstStyle/>
           <a:p>
-            <a:pPr marL="0" indent="0" algn="l">
+            <a:pPr marL="0" indent="0" algn="just">
               <a:buNone/>
             </a:pPr>
             <a:r>
@@ -7249,7 +8047,7 @@
             </a:r>
           </a:p>
           <a:p>
-            <a:pPr marL="0" indent="0" algn="l">
+            <a:pPr marL="0" indent="0" algn="just">
               <a:buNone/>
             </a:pPr>
             <a:endParaRPr lang="en-US" sz="1400" dirty="0">
@@ -7261,7 +8059,7 @@
             </a:endParaRPr>
           </a:p>
           <a:p>
-            <a:pPr marL="0" indent="0" algn="l">
+            <a:pPr marL="0" indent="0" algn="just">
               <a:buNone/>
             </a:pPr>
             <a:r>
@@ -7332,7 +8130,7 @@
               </a:pPr>
               <a:t>3</a:t>
             </a:fld>
-            <a:endParaRPr lang="en-US"/>
+            <a:endParaRPr lang="en-US" dirty="0"/>
           </a:p>
         </p:txBody>
       </p:sp>
@@ -7477,8 +8275,165 @@
               <a:rPr lang="en-US" sz="4000" b="1" dirty="0">
                 <a:latin typeface="+mn-lt"/>
               </a:rPr>
-              <a:t>Insert Melody’s Site</a:t>
-            </a:r>
+              <a:t>Interactive Website</a:t>
+            </a:r>
+          </a:p>
+        </p:txBody>
+      </p:sp>
+      <p:sp>
+        <p:nvSpPr>
+          <p:cNvPr id="2" name="TextBox 1">
+            <a:extLst>
+              <a:ext uri="{FF2B5EF4-FFF2-40B4-BE49-F238E27FC236}">
+                <a16:creationId xmlns:a16="http://schemas.microsoft.com/office/drawing/2014/main" id="{AC6EAD1E-0BA1-4A26-96D7-740DC7430367}"/>
+              </a:ext>
+            </a:extLst>
+          </p:cNvPr>
+          <p:cNvSpPr txBox="1"/>
+          <p:nvPr/>
+        </p:nvSpPr>
+        <p:spPr>
+          <a:xfrm>
+            <a:off x="998289" y="1224793"/>
+            <a:ext cx="8355436" cy="4247317"/>
+          </a:xfrm>
+          <a:prstGeom prst="rect">
+            <a:avLst/>
+          </a:prstGeom>
+          <a:noFill/>
+        </p:spPr>
+        <p:txBody>
+          <a:bodyPr wrap="square" rtlCol="0">
+            <a:spAutoFit/>
+          </a:bodyPr>
+          <a:lstStyle/>
+          <a:p>
+            <a:pPr marL="285750" indent="-285750" algn="just">
+              <a:buFont typeface="Arial" panose="020B0604020202020204" pitchFamily="34" charset="0"/>
+              <a:buChar char="•"/>
+            </a:pPr>
+            <a:r>
+              <a:rPr lang="en-US" dirty="0">
+                <a:solidFill>
+                  <a:schemeClr val="bg1"/>
+                </a:solidFill>
+              </a:rPr>
+              <a:t>We have developed a website illustrating the current trends in America for foster care from 2010-2019</a:t>
+            </a:r>
+          </a:p>
+          <a:p>
+            <a:pPr marL="285750" indent="-285750" algn="just">
+              <a:buFont typeface="Arial" panose="020B0604020202020204" pitchFamily="34" charset="0"/>
+              <a:buChar char="•"/>
+            </a:pPr>
+            <a:endParaRPr lang="en-US" dirty="0">
+              <a:solidFill>
+                <a:schemeClr val="bg1"/>
+              </a:solidFill>
+            </a:endParaRPr>
+          </a:p>
+          <a:p>
+            <a:pPr marL="285750" indent="-285750" algn="just">
+              <a:buFont typeface="Arial" panose="020B0604020202020204" pitchFamily="34" charset="0"/>
+              <a:buChar char="•"/>
+            </a:pPr>
+            <a:endParaRPr lang="en-US" dirty="0">
+              <a:solidFill>
+                <a:schemeClr val="bg1"/>
+              </a:solidFill>
+            </a:endParaRPr>
+          </a:p>
+          <a:p>
+            <a:pPr marL="285750" indent="-285750" algn="just">
+              <a:buFont typeface="Arial" panose="020B0604020202020204" pitchFamily="34" charset="0"/>
+              <a:buChar char="•"/>
+            </a:pPr>
+            <a:r>
+              <a:rPr lang="en-US" dirty="0">
+                <a:solidFill>
+                  <a:schemeClr val="bg1"/>
+                </a:solidFill>
+              </a:rPr>
+              <a:t>The interactive website shows data compiled for all 50 states showing the number of children in care, the number of adoptions and the number of terminations of parental rights (TPR) over the 10-year period</a:t>
+            </a:r>
+          </a:p>
+          <a:p>
+            <a:pPr marL="285750" indent="-285750" algn="just">
+              <a:buFont typeface="Arial" panose="020B0604020202020204" pitchFamily="34" charset="0"/>
+              <a:buChar char="•"/>
+            </a:pPr>
+            <a:endParaRPr lang="en-US" dirty="0">
+              <a:solidFill>
+                <a:schemeClr val="bg1"/>
+              </a:solidFill>
+            </a:endParaRPr>
+          </a:p>
+          <a:p>
+            <a:pPr marL="285750" indent="-285750" algn="just">
+              <a:buFont typeface="Arial" panose="020B0604020202020204" pitchFamily="34" charset="0"/>
+              <a:buChar char="•"/>
+            </a:pPr>
+            <a:endParaRPr lang="en-US" dirty="0">
+              <a:solidFill>
+                <a:schemeClr val="bg1"/>
+              </a:solidFill>
+            </a:endParaRPr>
+          </a:p>
+          <a:p>
+            <a:pPr marL="285750" indent="-285750" algn="just">
+              <a:buFont typeface="Arial" panose="020B0604020202020204" pitchFamily="34" charset="0"/>
+              <a:buChar char="•"/>
+            </a:pPr>
+            <a:r>
+              <a:rPr lang="en-US" dirty="0">
+                <a:solidFill>
+                  <a:schemeClr val="bg1"/>
+                </a:solidFill>
+              </a:rPr>
+              <a:t>This website will also show predictions for foster care in the future for selected states</a:t>
+            </a:r>
+          </a:p>
+          <a:p>
+            <a:pPr marL="285750" indent="-285750" algn="just">
+              <a:buFont typeface="Arial" panose="020B0604020202020204" pitchFamily="34" charset="0"/>
+              <a:buChar char="•"/>
+            </a:pPr>
+            <a:endParaRPr lang="en-US" dirty="0">
+              <a:solidFill>
+                <a:schemeClr val="bg1"/>
+              </a:solidFill>
+            </a:endParaRPr>
+          </a:p>
+          <a:p>
+            <a:pPr marL="285750" indent="-285750" algn="just">
+              <a:buFont typeface="Arial" panose="020B0604020202020204" pitchFamily="34" charset="0"/>
+              <a:buChar char="•"/>
+            </a:pPr>
+            <a:endParaRPr lang="en-US" dirty="0">
+              <a:solidFill>
+                <a:schemeClr val="bg1"/>
+              </a:solidFill>
+            </a:endParaRPr>
+          </a:p>
+          <a:p>
+            <a:pPr marL="285750" indent="-285750" algn="just">
+              <a:buFont typeface="Arial" panose="020B0604020202020204" pitchFamily="34" charset="0"/>
+              <a:buChar char="•"/>
+            </a:pPr>
+            <a:r>
+              <a:rPr lang="en-US" dirty="0">
+                <a:solidFill>
+                  <a:schemeClr val="bg1"/>
+                </a:solidFill>
+                <a:hlinkClick r:id="rId3"/>
+              </a:rPr>
+              <a:t>https://gemelodyyu.github.io/Trends-in-Foster-Care-and-Adoption/</a:t>
+            </a:r>
+            <a:endParaRPr lang="en-US" dirty="0">
+              <a:solidFill>
+                <a:schemeClr val="bg1"/>
+              </a:solidFill>
+            </a:endParaRPr>
           </a:p>
         </p:txBody>
       </p:sp>
@@ -7569,8 +8524,8 @@
         </p:nvSpPr>
         <p:spPr>
           <a:xfrm>
-            <a:off x="590550" y="1323975"/>
-            <a:ext cx="6962775" cy="646331"/>
+            <a:off x="590550" y="1323974"/>
+            <a:ext cx="11221149" cy="5632311"/>
           </a:xfrm>
           <a:prstGeom prst="rect">
             <a:avLst/>
@@ -7583,10 +8538,107 @@
           </a:bodyPr>
           <a:lstStyle/>
           <a:p>
+            <a:pPr marL="285750" indent="-285750" algn="just">
+              <a:buFont typeface="Arial" panose="020B0604020202020204" pitchFamily="34" charset="0"/>
+              <a:buChar char="•"/>
+            </a:pPr>
             <a:r>
               <a:rPr lang="en-US" dirty="0"/>
-              <a:t>Get Geoffrey’s permission to share corner of the world tidbit!</a:t>
-            </a:r>
+              <a:t>Resources available for foster families are limited already; by projecting out the need in the future agencies can get a “heads up” as to what resources will be available in the future</a:t>
+            </a:r>
+          </a:p>
+          <a:p>
+            <a:pPr marL="285750" indent="-285750" algn="just">
+              <a:buFont typeface="Arial" panose="020B0604020202020204" pitchFamily="34" charset="0"/>
+              <a:buChar char="•"/>
+            </a:pPr>
+            <a:endParaRPr lang="en-US" dirty="0"/>
+          </a:p>
+          <a:p>
+            <a:pPr marL="285750" indent="-285750" algn="just">
+              <a:buFont typeface="Arial" panose="020B0604020202020204" pitchFamily="34" charset="0"/>
+              <a:buChar char="•"/>
+            </a:pPr>
+            <a:endParaRPr lang="en-US" dirty="0"/>
+          </a:p>
+          <a:p>
+            <a:pPr marL="285750" indent="-285750" algn="just">
+              <a:buFont typeface="Arial" panose="020B0604020202020204" pitchFamily="34" charset="0"/>
+              <a:buChar char="•"/>
+            </a:pPr>
+            <a:r>
+              <a:rPr lang="en-US" dirty="0"/>
+              <a:t>While one person or one family may not be able to make a huge impact on the nation or the world, everyone can make a difference in their own corner of the world in their own way; foster care is one option for “making a difference”</a:t>
+            </a:r>
+          </a:p>
+          <a:p>
+            <a:pPr marL="285750" indent="-285750" algn="just">
+              <a:buFont typeface="Arial" panose="020B0604020202020204" pitchFamily="34" charset="0"/>
+              <a:buChar char="•"/>
+            </a:pPr>
+            <a:endParaRPr lang="en-US" dirty="0"/>
+          </a:p>
+          <a:p>
+            <a:pPr marL="285750" indent="-285750" algn="just">
+              <a:buFont typeface="Arial" panose="020B0604020202020204" pitchFamily="34" charset="0"/>
+              <a:buChar char="•"/>
+            </a:pPr>
+            <a:endParaRPr lang="en-US" dirty="0"/>
+          </a:p>
+          <a:p>
+            <a:pPr marL="285750" indent="-285750" algn="just">
+              <a:buFont typeface="Arial" panose="020B0604020202020204" pitchFamily="34" charset="0"/>
+              <a:buChar char="•"/>
+            </a:pPr>
+            <a:r>
+              <a:rPr lang="en-US" dirty="0"/>
+              <a:t>Most people in the community and/or the nation are unaware of the need for foster care families and the implications they can have on the life of one or more children in their lifetime</a:t>
+            </a:r>
+          </a:p>
+          <a:p>
+            <a:pPr marL="285750" indent="-285750" algn="just">
+              <a:buFont typeface="Arial" panose="020B0604020202020204" pitchFamily="34" charset="0"/>
+              <a:buChar char="•"/>
+            </a:pPr>
+            <a:endParaRPr lang="en-US" dirty="0"/>
+          </a:p>
+          <a:p>
+            <a:pPr marL="285750" indent="-285750" algn="just">
+              <a:buFont typeface="Arial" panose="020B0604020202020204" pitchFamily="34" charset="0"/>
+              <a:buChar char="•"/>
+            </a:pPr>
+            <a:endParaRPr lang="en-US" dirty="0"/>
+          </a:p>
+          <a:p>
+            <a:pPr marL="285750" indent="-285750" algn="just">
+              <a:buFont typeface="Arial" panose="020B0604020202020204" pitchFamily="34" charset="0"/>
+              <a:buChar char="•"/>
+            </a:pPr>
+            <a:r>
+              <a:rPr lang="en-US" dirty="0"/>
+              <a:t>America is the most prosperous nation in the world, yet we have a problem with the breakdown of family units resulting in a glut of children needing care.  If we can get on top of this problem in America we can then affect change in the rest of the world by providing assistance and resources where nations are not as prosperous and the need is potentially even greater</a:t>
+            </a:r>
+          </a:p>
+          <a:p>
+            <a:pPr marL="285750" indent="-285750">
+              <a:buFont typeface="Arial" panose="020B0604020202020204" pitchFamily="34" charset="0"/>
+              <a:buChar char="•"/>
+            </a:pPr>
+            <a:endParaRPr lang="en-US" dirty="0"/>
+          </a:p>
+          <a:p>
+            <a:pPr marL="285750" indent="-285750">
+              <a:buFont typeface="Arial" panose="020B0604020202020204" pitchFamily="34" charset="0"/>
+              <a:buChar char="•"/>
+            </a:pPr>
+            <a:endParaRPr lang="en-US" dirty="0"/>
+          </a:p>
+          <a:p>
+            <a:pPr marL="285750" indent="-285750">
+              <a:buFont typeface="Arial" panose="020B0604020202020204" pitchFamily="34" charset="0"/>
+              <a:buChar char="•"/>
+            </a:pPr>
+            <a:endParaRPr lang="en-US" dirty="0"/>
           </a:p>
         </p:txBody>
       </p:sp>
@@ -7647,7 +8699,7 @@
         <p:spPr>
           <a:xfrm>
             <a:off x="895463" y="571499"/>
-            <a:ext cx="6734062" cy="628651"/>
+            <a:ext cx="4246988" cy="628651"/>
           </a:xfrm>
         </p:spPr>
         <p:txBody>
@@ -7679,8 +8731,8 @@
         </p:nvSpPr>
         <p:spPr>
           <a:xfrm>
-            <a:off x="895463" y="1552575"/>
-            <a:ext cx="4524375" cy="3472874"/>
+            <a:off x="632695" y="1535797"/>
+            <a:ext cx="4524375" cy="4322337"/>
           </a:xfrm>
           <a:prstGeom prst="rect">
             <a:avLst/>
@@ -7705,7 +8757,10 @@
               </a:spcAft>
             </a:pPr>
             <a:r>
-              <a:rPr lang="en-US" sz="1600" dirty="0">
+              <a:rPr lang="en-US" sz="1600" b="1" dirty="0">
+                <a:solidFill>
+                  <a:schemeClr val="bg1"/>
+                </a:solidFill>
                 <a:effectLst/>
                 <a:ea typeface="Calibri" panose="020F0502020204030204" pitchFamily="34" charset="0"/>
                 <a:cs typeface="Times New Roman" panose="02020603050405020304" pitchFamily="18" charset="0"/>
@@ -7713,64 +8768,102 @@
               <a:t>Using a regression analysis from </a:t>
             </a:r>
             <a:r>
-              <a:rPr lang="en-US" sz="1600" dirty="0" err="1">
+              <a:rPr lang="en-US" sz="1600" b="1" dirty="0" err="1">
+                <a:solidFill>
+                  <a:schemeClr val="bg1"/>
+                </a:solidFill>
                 <a:effectLst/>
                 <a:ea typeface="Calibri" panose="020F0502020204030204" pitchFamily="34" charset="0"/>
                 <a:cs typeface="Times New Roman" panose="02020603050405020304" pitchFamily="18" charset="0"/>
               </a:rPr>
-              <a:t>Sklearn</a:t>
-            </a:r>
-            <a:r>
-              <a:rPr lang="en-US" sz="1600" dirty="0">
+              <a:t>SkLearn</a:t>
+            </a:r>
+            <a:r>
+              <a:rPr lang="en-US" sz="1600" b="1" dirty="0">
+                <a:solidFill>
+                  <a:schemeClr val="bg1"/>
+                </a:solidFill>
                 <a:effectLst/>
                 <a:ea typeface="Calibri" panose="020F0502020204030204" pitchFamily="34" charset="0"/>
                 <a:cs typeface="Times New Roman" panose="02020603050405020304" pitchFamily="18" charset="0"/>
               </a:rPr>
-              <a:t> we </a:t>
-            </a:r>
-            <a:r>
-              <a:rPr lang="en-US" sz="1600" dirty="0">
+              <a:t> we have</a:t>
+            </a:r>
+            <a:r>
+              <a:rPr lang="en-US" sz="1600" b="1" dirty="0">
+                <a:solidFill>
+                  <a:schemeClr val="bg1"/>
+                </a:solidFill>
                 <a:ea typeface="Calibri" panose="020F0502020204030204" pitchFamily="34" charset="0"/>
                 <a:cs typeface="Times New Roman" panose="02020603050405020304" pitchFamily="18" charset="0"/>
               </a:rPr>
-              <a:t>will </a:t>
-            </a:r>
-            <a:r>
-              <a:rPr lang="en-US" sz="1600" dirty="0">
+              <a:t> </a:t>
+            </a:r>
+            <a:r>
+              <a:rPr lang="en-US" sz="1600" b="1" dirty="0">
+                <a:solidFill>
+                  <a:schemeClr val="bg1"/>
+                </a:solidFill>
                 <a:effectLst/>
                 <a:ea typeface="Calibri" panose="020F0502020204030204" pitchFamily="34" charset="0"/>
                 <a:cs typeface="Times New Roman" panose="02020603050405020304" pitchFamily="18" charset="0"/>
               </a:rPr>
-              <a:t>develop a model to predict what the foster care needs will be in 5, 10, and 20 years from now.  We will be looking at predicting the number of children in care as well as TPR predictions for the future </a:t>
-            </a:r>
-            <a:r>
-              <a:rPr lang="en-US" sz="1600" dirty="0">
+              <a:t>developed a model to predict what the foster care needs will be in 5, 10, and 20 years from now in selected states.  We will be looking at predicting the number of children in care as well as TPR predictions for the future </a:t>
+            </a:r>
+            <a:r>
+              <a:rPr lang="en-US" sz="1600" b="1" dirty="0">
+                <a:solidFill>
+                  <a:schemeClr val="bg1"/>
+                </a:solidFill>
                 <a:ea typeface="Calibri" panose="020F0502020204030204" pitchFamily="34" charset="0"/>
                 <a:cs typeface="Times New Roman" panose="02020603050405020304" pitchFamily="18" charset="0"/>
               </a:rPr>
               <a:t>(which </a:t>
             </a:r>
             <a:r>
-              <a:rPr lang="en-US" sz="1600" dirty="0">
+              <a:rPr lang="en-US" sz="1600" b="1" dirty="0">
+                <a:solidFill>
+                  <a:schemeClr val="bg1"/>
+                </a:solidFill>
                 <a:effectLst/>
                 <a:ea typeface="Calibri" panose="020F0502020204030204" pitchFamily="34" charset="0"/>
                 <a:cs typeface="Times New Roman" panose="02020603050405020304" pitchFamily="18" charset="0"/>
               </a:rPr>
-              <a:t>can also be used to estimate group home needs for children that age out of the foster system without being adopted).  We hope to be able to perform this prediction by state but may only be able to view the prediction in aggregate.</a:t>
-            </a:r>
+              <a:t>can also be used to estimate group home needs for children that age out of the foster system without being adopted).  Our analysis also included predicting the number of adoptions by state as well.  We </a:t>
+            </a:r>
+            <a:r>
+              <a:rPr lang="en-US" sz="1600" b="1" dirty="0">
+                <a:solidFill>
+                  <a:schemeClr val="bg1"/>
+                </a:solidFill>
+                <a:ea typeface="Calibri" panose="020F0502020204030204" pitchFamily="34" charset="0"/>
+                <a:cs typeface="Times New Roman" panose="02020603050405020304" pitchFamily="18" charset="0"/>
+              </a:rPr>
+              <a:t>chose some Midwestern states as a start, but the analysis could be carried out by state for every state in the nation</a:t>
+            </a:r>
+            <a:endParaRPr lang="en-US" sz="1600" b="1" dirty="0">
+              <a:solidFill>
+                <a:schemeClr val="bg1"/>
+              </a:solidFill>
+              <a:effectLst/>
+              <a:ea typeface="Calibri" panose="020F0502020204030204" pitchFamily="34" charset="0"/>
+              <a:cs typeface="Times New Roman" panose="02020603050405020304" pitchFamily="18" charset="0"/>
+            </a:endParaRPr>
           </a:p>
         </p:txBody>
       </p:sp>
       <p:pic>
         <p:nvPicPr>
-          <p:cNvPr id="15" name="Picture 14">
-            <a:extLst>
-              <a:ext uri="{FF2B5EF4-FFF2-40B4-BE49-F238E27FC236}">
-                <a16:creationId xmlns:a16="http://schemas.microsoft.com/office/drawing/2014/main" id="{4E2C5951-67CE-4FD4-A34C-4B0A37277075}"/>
-              </a:ext>
-            </a:extLst>
-          </p:cNvPr>
-          <p:cNvPicPr/>
+          <p:cNvPr id="10" name="Picture 9">
+            <a:extLst>
+              <a:ext uri="{FF2B5EF4-FFF2-40B4-BE49-F238E27FC236}">
+                <a16:creationId xmlns:a16="http://schemas.microsoft.com/office/drawing/2014/main" id="{47BBDC9A-57F3-4C0F-AA44-B77B1E3C3D08}"/>
+              </a:ext>
+            </a:extLst>
+          </p:cNvPr>
+          <p:cNvPicPr>
+            <a:picLocks noChangeAspect="1"/>
+          </p:cNvPicPr>
           <p:nvPr/>
         </p:nvPicPr>
         <p:blipFill>
@@ -7781,22 +8874,222 @@
         </p:blipFill>
         <p:spPr>
           <a:xfrm>
-            <a:off x="5781676" y="1320312"/>
-            <a:ext cx="5943600" cy="4429125"/>
+            <a:off x="5419839" y="58722"/>
+            <a:ext cx="3375171" cy="1607710"/>
           </a:xfrm>
           <a:prstGeom prst="rect">
             <a:avLst/>
           </a:prstGeom>
-          <a:ln>
-            <a:noFill/>
-          </a:ln>
-          <a:effectLst>
-            <a:outerShdw blurRad="190500" algn="tl" rotWithShape="0">
-              <a:srgbClr val="000000">
-                <a:alpha val="70000"/>
-              </a:srgbClr>
-            </a:outerShdw>
-          </a:effectLst>
+        </p:spPr>
+      </p:pic>
+      <p:pic>
+        <p:nvPicPr>
+          <p:cNvPr id="13" name="Picture 12">
+            <a:extLst>
+              <a:ext uri="{FF2B5EF4-FFF2-40B4-BE49-F238E27FC236}">
+                <a16:creationId xmlns:a16="http://schemas.microsoft.com/office/drawing/2014/main" id="{81D3064F-EA4D-4C09-BE01-C2AEDB83D395}"/>
+              </a:ext>
+            </a:extLst>
+          </p:cNvPr>
+          <p:cNvPicPr>
+            <a:picLocks noChangeAspect="1"/>
+          </p:cNvPicPr>
+          <p:nvPr/>
+        </p:nvPicPr>
+        <p:blipFill>
+          <a:blip r:embed="rId4"/>
+          <a:stretch>
+            <a:fillRect/>
+          </a:stretch>
+        </p:blipFill>
+        <p:spPr>
+          <a:xfrm>
+            <a:off x="8816830" y="58721"/>
+            <a:ext cx="3313652" cy="1607710"/>
+          </a:xfrm>
+          <a:prstGeom prst="rect">
+            <a:avLst/>
+          </a:prstGeom>
+        </p:spPr>
+      </p:pic>
+      <p:pic>
+        <p:nvPicPr>
+          <p:cNvPr id="15" name="Picture 14">
+            <a:extLst>
+              <a:ext uri="{FF2B5EF4-FFF2-40B4-BE49-F238E27FC236}">
+                <a16:creationId xmlns:a16="http://schemas.microsoft.com/office/drawing/2014/main" id="{1C5E99E5-B68F-4BF0-9688-AD9C43B9D16D}"/>
+              </a:ext>
+            </a:extLst>
+          </p:cNvPr>
+          <p:cNvPicPr>
+            <a:picLocks noChangeAspect="1"/>
+          </p:cNvPicPr>
+          <p:nvPr/>
+        </p:nvPicPr>
+        <p:blipFill>
+          <a:blip r:embed="rId5"/>
+          <a:stretch>
+            <a:fillRect/>
+          </a:stretch>
+        </p:blipFill>
+        <p:spPr>
+          <a:xfrm>
+            <a:off x="5419838" y="1707496"/>
+            <a:ext cx="3375170" cy="1669242"/>
+          </a:xfrm>
+          <a:prstGeom prst="rect">
+            <a:avLst/>
+          </a:prstGeom>
+        </p:spPr>
+      </p:pic>
+      <p:pic>
+        <p:nvPicPr>
+          <p:cNvPr id="17" name="Picture 16">
+            <a:extLst>
+              <a:ext uri="{FF2B5EF4-FFF2-40B4-BE49-F238E27FC236}">
+                <a16:creationId xmlns:a16="http://schemas.microsoft.com/office/drawing/2014/main" id="{3CFCCC7D-42FD-447B-B523-0C5771B2F9CB}"/>
+              </a:ext>
+            </a:extLst>
+          </p:cNvPr>
+          <p:cNvPicPr>
+            <a:picLocks noChangeAspect="1"/>
+          </p:cNvPicPr>
+          <p:nvPr/>
+        </p:nvPicPr>
+        <p:blipFill>
+          <a:blip r:embed="rId6"/>
+          <a:stretch>
+            <a:fillRect/>
+          </a:stretch>
+        </p:blipFill>
+        <p:spPr>
+          <a:xfrm>
+            <a:off x="8816830" y="1707496"/>
+            <a:ext cx="3313652" cy="1669242"/>
+          </a:xfrm>
+          <a:prstGeom prst="rect">
+            <a:avLst/>
+          </a:prstGeom>
+        </p:spPr>
+      </p:pic>
+      <p:pic>
+        <p:nvPicPr>
+          <p:cNvPr id="19" name="Picture 18">
+            <a:extLst>
+              <a:ext uri="{FF2B5EF4-FFF2-40B4-BE49-F238E27FC236}">
+                <a16:creationId xmlns:a16="http://schemas.microsoft.com/office/drawing/2014/main" id="{D6277E34-C27F-4F5C-916F-120B721CB9D2}"/>
+              </a:ext>
+            </a:extLst>
+          </p:cNvPr>
+          <p:cNvPicPr>
+            <a:picLocks noChangeAspect="1"/>
+          </p:cNvPicPr>
+          <p:nvPr/>
+        </p:nvPicPr>
+        <p:blipFill>
+          <a:blip r:embed="rId7"/>
+          <a:stretch>
+            <a:fillRect/>
+          </a:stretch>
+        </p:blipFill>
+        <p:spPr>
+          <a:xfrm>
+            <a:off x="8816830" y="3449532"/>
+            <a:ext cx="3313652" cy="1669242"/>
+          </a:xfrm>
+          <a:prstGeom prst="rect">
+            <a:avLst/>
+          </a:prstGeom>
+        </p:spPr>
+      </p:pic>
+      <p:pic>
+        <p:nvPicPr>
+          <p:cNvPr id="21" name="Picture 20">
+            <a:extLst>
+              <a:ext uri="{FF2B5EF4-FFF2-40B4-BE49-F238E27FC236}">
+                <a16:creationId xmlns:a16="http://schemas.microsoft.com/office/drawing/2014/main" id="{1F9344D5-66FC-4B32-8744-5A8F82DC36C0}"/>
+              </a:ext>
+            </a:extLst>
+          </p:cNvPr>
+          <p:cNvPicPr>
+            <a:picLocks noChangeAspect="1"/>
+          </p:cNvPicPr>
+          <p:nvPr/>
+        </p:nvPicPr>
+        <p:blipFill>
+          <a:blip r:embed="rId8"/>
+          <a:stretch>
+            <a:fillRect/>
+          </a:stretch>
+        </p:blipFill>
+        <p:spPr>
+          <a:xfrm>
+            <a:off x="5419838" y="3449532"/>
+            <a:ext cx="3375170" cy="1669242"/>
+          </a:xfrm>
+          <a:prstGeom prst="rect">
+            <a:avLst/>
+          </a:prstGeom>
+        </p:spPr>
+      </p:pic>
+      <p:pic>
+        <p:nvPicPr>
+          <p:cNvPr id="23" name="Picture 22">
+            <a:extLst>
+              <a:ext uri="{FF2B5EF4-FFF2-40B4-BE49-F238E27FC236}">
+                <a16:creationId xmlns:a16="http://schemas.microsoft.com/office/drawing/2014/main" id="{41510EF0-A044-40A1-B270-C86211D73CE7}"/>
+              </a:ext>
+            </a:extLst>
+          </p:cNvPr>
+          <p:cNvPicPr>
+            <a:picLocks noChangeAspect="1"/>
+          </p:cNvPicPr>
+          <p:nvPr/>
+        </p:nvPicPr>
+        <p:blipFill>
+          <a:blip r:embed="rId9"/>
+          <a:stretch>
+            <a:fillRect/>
+          </a:stretch>
+        </p:blipFill>
+        <p:spPr>
+          <a:xfrm>
+            <a:off x="5419839" y="5191568"/>
+            <a:ext cx="3375169" cy="1607710"/>
+          </a:xfrm>
+          <a:prstGeom prst="rect">
+            <a:avLst/>
+          </a:prstGeom>
+        </p:spPr>
+      </p:pic>
+      <p:pic>
+        <p:nvPicPr>
+          <p:cNvPr id="25" name="Picture 24">
+            <a:extLst>
+              <a:ext uri="{FF2B5EF4-FFF2-40B4-BE49-F238E27FC236}">
+                <a16:creationId xmlns:a16="http://schemas.microsoft.com/office/drawing/2014/main" id="{617AD0B1-ED70-4C03-AF66-99EA6AAD1580}"/>
+              </a:ext>
+            </a:extLst>
+          </p:cNvPr>
+          <p:cNvPicPr>
+            <a:picLocks noChangeAspect="1"/>
+          </p:cNvPicPr>
+          <p:nvPr/>
+        </p:nvPicPr>
+        <p:blipFill>
+          <a:blip r:embed="rId10"/>
+          <a:stretch>
+            <a:fillRect/>
+          </a:stretch>
+        </p:blipFill>
+        <p:spPr>
+          <a:xfrm>
+            <a:off x="8816830" y="5191569"/>
+            <a:ext cx="3313652" cy="1607710"/>
+          </a:xfrm>
+          <a:prstGeom prst="rect">
+            <a:avLst/>
+          </a:prstGeom>
         </p:spPr>
       </p:pic>
     </p:spTree>
@@ -7813,325 +9106,6 @@
 </file>
 
 <file path=ppt/slides/slide7.xml><?xml version="1.0" encoding="utf-8"?>
-<p:sld xmlns:a="http://schemas.openxmlformats.org/drawingml/2006/main" xmlns:r="http://schemas.openxmlformats.org/officeDocument/2006/relationships" xmlns:p="http://schemas.openxmlformats.org/presentationml/2006/main">
-  <p:cSld>
-    <p:bg>
-      <p:bgPr>
-        <a:solidFill>
-          <a:schemeClr val="accent1"/>
-        </a:solidFill>
-        <a:effectLst/>
-      </p:bgPr>
-    </p:bg>
-    <p:spTree>
-      <p:nvGrpSpPr>
-        <p:cNvPr id="1" name=""/>
-        <p:cNvGrpSpPr/>
-        <p:nvPr/>
-      </p:nvGrpSpPr>
-      <p:grpSpPr>
-        <a:xfrm>
-          <a:off x="0" y="0"/>
-          <a:ext cx="0" cy="0"/>
-          <a:chOff x="0" y="0"/>
-          <a:chExt cx="0" cy="0"/>
-        </a:xfrm>
-      </p:grpSpPr>
-      <p:sp>
-        <p:nvSpPr>
-          <p:cNvPr id="4" name="Title 3">
-            <a:extLst>
-              <a:ext uri="{FF2B5EF4-FFF2-40B4-BE49-F238E27FC236}">
-                <a16:creationId xmlns:a16="http://schemas.microsoft.com/office/drawing/2014/main" id="{3B57CE8F-20CE-4C82-9E39-8C7D858D12EA}"/>
-              </a:ext>
-            </a:extLst>
-          </p:cNvPr>
-          <p:cNvSpPr>
-            <a:spLocks noGrp="1"/>
-          </p:cNvSpPr>
-          <p:nvPr>
-            <p:ph type="title"/>
-          </p:nvPr>
-        </p:nvSpPr>
-        <p:spPr>
-          <a:xfrm>
-            <a:off x="345909" y="293904"/>
-            <a:ext cx="6674802" cy="655320"/>
-          </a:xfrm>
-        </p:spPr>
-        <p:txBody>
-          <a:bodyPr>
-            <a:normAutofit fontScale="90000"/>
-          </a:bodyPr>
-          <a:lstStyle/>
-          <a:p>
-            <a:r>
-              <a:rPr lang="en-US" b="1" dirty="0"/>
-              <a:t>Data Used</a:t>
-            </a:r>
-          </a:p>
-        </p:txBody>
-      </p:sp>
-      <p:sp>
-        <p:nvSpPr>
-          <p:cNvPr id="2" name="TextBox 1">
-            <a:extLst>
-              <a:ext uri="{FF2B5EF4-FFF2-40B4-BE49-F238E27FC236}">
-                <a16:creationId xmlns:a16="http://schemas.microsoft.com/office/drawing/2014/main" id="{9361FF8C-176D-48C4-8E46-244EF48BA030}"/>
-              </a:ext>
-            </a:extLst>
-          </p:cNvPr>
-          <p:cNvSpPr txBox="1"/>
-          <p:nvPr/>
-        </p:nvSpPr>
-        <p:spPr>
-          <a:xfrm>
-            <a:off x="345909" y="1362075"/>
-            <a:ext cx="7791450" cy="2308324"/>
-          </a:xfrm>
-          <a:prstGeom prst="rect">
-            <a:avLst/>
-          </a:prstGeom>
-          <a:noFill/>
-        </p:spPr>
-        <p:txBody>
-          <a:bodyPr wrap="square" rtlCol="0">
-            <a:spAutoFit/>
-          </a:bodyPr>
-          <a:lstStyle/>
-          <a:p>
-            <a:pPr marL="342900" marR="0" lvl="0" indent="-342900">
-              <a:spcBef>
-                <a:spcPts val="0"/>
-              </a:spcBef>
-              <a:spcAft>
-                <a:spcPts val="0"/>
-              </a:spcAft>
-              <a:buFont typeface="Symbol" panose="05050102010706020507" pitchFamily="18" charset="2"/>
-              <a:buChar char=""/>
-            </a:pPr>
-            <a:r>
-              <a:rPr lang="en-US" sz="1800" dirty="0">
-                <a:solidFill>
-                  <a:schemeClr val="accent2">
-                    <a:lumMod val="50000"/>
-                  </a:schemeClr>
-                </a:solidFill>
-                <a:effectLst/>
-                <a:ea typeface="Calibri" panose="020F0502020204030204" pitchFamily="34" charset="0"/>
-                <a:cs typeface="Times New Roman" panose="02020603050405020304" pitchFamily="18" charset="0"/>
-              </a:rPr>
-              <a:t>"Foster Trends in America”:</a:t>
-            </a:r>
-          </a:p>
-          <a:p>
-            <a:pPr marL="457200" marR="0">
-              <a:spcBef>
-                <a:spcPts val="0"/>
-              </a:spcBef>
-              <a:spcAft>
-                <a:spcPts val="0"/>
-              </a:spcAft>
-            </a:pPr>
-            <a:r>
-              <a:rPr lang="en-US" sz="1800" u="none" strike="noStrike" dirty="0">
-                <a:solidFill>
-                  <a:srgbClr val="0563C1"/>
-                </a:solidFill>
-                <a:effectLst/>
-                <a:latin typeface="Slack-Lato"/>
-                <a:ea typeface="Times New Roman" panose="02020603050405020304" pitchFamily="18" charset="0"/>
-                <a:cs typeface="Calibri" panose="020F0502020204030204" pitchFamily="34" charset="0"/>
-                <a:hlinkClick r:id="rId2"/>
-              </a:rPr>
-              <a:t>https://www.acf.hhs.gov/cb/resource/trends-in-foster-care-and-adoption</a:t>
-            </a:r>
-            <a:endParaRPr lang="en-US" sz="1800" u="none" strike="noStrike" dirty="0">
-              <a:solidFill>
-                <a:srgbClr val="0563C1"/>
-              </a:solidFill>
-              <a:effectLst/>
-              <a:latin typeface="Slack-Lato"/>
-              <a:ea typeface="Times New Roman" panose="02020603050405020304" pitchFamily="18" charset="0"/>
-              <a:cs typeface="Calibri" panose="020F0502020204030204" pitchFamily="34" charset="0"/>
-            </a:endParaRPr>
-          </a:p>
-          <a:p>
-            <a:pPr marL="457200" marR="0">
-              <a:spcBef>
-                <a:spcPts val="0"/>
-              </a:spcBef>
-              <a:spcAft>
-                <a:spcPts val="0"/>
-              </a:spcAft>
-            </a:pPr>
-            <a:endParaRPr lang="en-US" dirty="0">
-              <a:solidFill>
-                <a:srgbClr val="0563C1"/>
-              </a:solidFill>
-              <a:latin typeface="Slack-Lato"/>
-              <a:ea typeface="Calibri" panose="020F0502020204030204" pitchFamily="34" charset="0"/>
-              <a:cs typeface="Calibri" panose="020F0502020204030204" pitchFamily="34" charset="0"/>
-            </a:endParaRPr>
-          </a:p>
-          <a:p>
-            <a:pPr marL="342900" marR="0" lvl="0" indent="-342900">
-              <a:spcBef>
-                <a:spcPts val="0"/>
-              </a:spcBef>
-              <a:spcAft>
-                <a:spcPts val="0"/>
-              </a:spcAft>
-              <a:buFont typeface="Symbol" panose="05050102010706020507" pitchFamily="18" charset="2"/>
-              <a:buChar char=""/>
-            </a:pPr>
-            <a:r>
-              <a:rPr lang="en-US" sz="1800" dirty="0">
-                <a:solidFill>
-                  <a:schemeClr val="accent2">
-                    <a:lumMod val="50000"/>
-                  </a:schemeClr>
-                </a:solidFill>
-                <a:effectLst/>
-                <a:ea typeface="Calibri" panose="020F0502020204030204" pitchFamily="34" charset="0"/>
-                <a:cs typeface="Times New Roman" panose="02020603050405020304" pitchFamily="18" charset="0"/>
-              </a:rPr>
-              <a:t>“Child Maltreatment 2011”</a:t>
-            </a:r>
-          </a:p>
-          <a:p>
-            <a:pPr lvl="1"/>
-            <a:r>
-              <a:rPr lang="en-US" b="0" i="0" dirty="0">
-                <a:effectLst/>
-                <a:latin typeface="Slack-Lato"/>
-                <a:hlinkClick r:id="rId3"/>
-              </a:rPr>
-              <a:t>https://www.acf.hhs.gov/sites/default/files/documents/cb/cm11.pdf</a:t>
-            </a:r>
-            <a:endParaRPr lang="en-US" sz="1800" dirty="0">
-              <a:solidFill>
-                <a:schemeClr val="accent2">
-                  <a:lumMod val="50000"/>
-                </a:schemeClr>
-              </a:solidFill>
-              <a:effectLst/>
-              <a:ea typeface="Calibri" panose="020F0502020204030204" pitchFamily="34" charset="0"/>
-              <a:cs typeface="Times New Roman" panose="02020603050405020304" pitchFamily="18" charset="0"/>
-            </a:endParaRPr>
-          </a:p>
-          <a:p>
-            <a:pPr marL="342900" marR="0" lvl="0" indent="-342900">
-              <a:spcBef>
-                <a:spcPts val="0"/>
-              </a:spcBef>
-              <a:spcAft>
-                <a:spcPts val="0"/>
-              </a:spcAft>
-              <a:buFont typeface="Symbol" panose="05050102010706020507" pitchFamily="18" charset="2"/>
-              <a:buChar char=""/>
-            </a:pPr>
-            <a:endParaRPr lang="en-US" dirty="0">
-              <a:solidFill>
-                <a:schemeClr val="accent2">
-                  <a:lumMod val="50000"/>
-                </a:schemeClr>
-              </a:solidFill>
-              <a:ea typeface="Calibri" panose="020F0502020204030204" pitchFamily="34" charset="0"/>
-              <a:cs typeface="Times New Roman" panose="02020603050405020304" pitchFamily="18" charset="0"/>
-            </a:endParaRPr>
-          </a:p>
-          <a:p>
-            <a:pPr marL="342900" marR="0" lvl="0" indent="-342900">
-              <a:spcBef>
-                <a:spcPts val="0"/>
-              </a:spcBef>
-              <a:spcAft>
-                <a:spcPts val="0"/>
-              </a:spcAft>
-              <a:buFont typeface="Symbol" panose="05050102010706020507" pitchFamily="18" charset="2"/>
-              <a:buChar char=""/>
-            </a:pPr>
-            <a:r>
-              <a:rPr lang="en-US" sz="1800" dirty="0">
-                <a:solidFill>
-                  <a:schemeClr val="accent2">
-                    <a:lumMod val="50000"/>
-                  </a:schemeClr>
-                </a:solidFill>
-                <a:effectLst/>
-                <a:ea typeface="Calibri" panose="020F0502020204030204" pitchFamily="34" charset="0"/>
-                <a:cs typeface="Times New Roman" panose="02020603050405020304" pitchFamily="18" charset="0"/>
-              </a:rPr>
-              <a:t>“Voices for Children”</a:t>
-            </a:r>
-          </a:p>
-          <a:p>
-            <a:pPr marR="0" lvl="0">
-              <a:spcBef>
-                <a:spcPts val="0"/>
-              </a:spcBef>
-              <a:spcAft>
-                <a:spcPts val="0"/>
-              </a:spcAft>
-            </a:pPr>
-            <a:r>
-              <a:rPr lang="en-US" sz="1800" dirty="0">
-                <a:solidFill>
-                  <a:schemeClr val="accent2">
-                    <a:lumMod val="50000"/>
-                  </a:schemeClr>
-                </a:solidFill>
-                <a:effectLst/>
-                <a:latin typeface="Slack-Lato"/>
-                <a:ea typeface="Calibri" panose="020F0502020204030204" pitchFamily="34" charset="0"/>
-                <a:cs typeface="Times New Roman" panose="02020603050405020304" pitchFamily="18" charset="0"/>
-              </a:rPr>
-              <a:t>         </a:t>
-            </a:r>
-            <a:r>
-              <a:rPr lang="en-US" sz="1800" dirty="0">
-                <a:solidFill>
-                  <a:schemeClr val="accent2">
-                    <a:lumMod val="50000"/>
-                  </a:schemeClr>
-                </a:solidFill>
-                <a:effectLst/>
-                <a:latin typeface="Slack-Lato"/>
-                <a:ea typeface="Calibri" panose="020F0502020204030204" pitchFamily="34" charset="0"/>
-                <a:cs typeface="Times New Roman" panose="02020603050405020304" pitchFamily="18" charset="0"/>
-                <a:hlinkClick r:id="rId4"/>
-              </a:rPr>
-              <a:t>https://www.speakupnow.org/foster-care-statistics-resources/</a:t>
-            </a:r>
-            <a:endParaRPr lang="en-US" sz="1800" dirty="0">
-              <a:solidFill>
-                <a:schemeClr val="accent2">
-                  <a:lumMod val="50000"/>
-                </a:schemeClr>
-              </a:solidFill>
-              <a:effectLst/>
-              <a:latin typeface="Slack-Lato"/>
-              <a:ea typeface="Calibri" panose="020F0502020204030204" pitchFamily="34" charset="0"/>
-              <a:cs typeface="Times New Roman" panose="02020603050405020304" pitchFamily="18" charset="0"/>
-            </a:endParaRPr>
-          </a:p>
-        </p:txBody>
-      </p:sp>
-    </p:spTree>
-    <p:extLst>
-      <p:ext uri="{BB962C8B-B14F-4D97-AF65-F5344CB8AC3E}">
-        <p14:creationId xmlns:p14="http://schemas.microsoft.com/office/powerpoint/2010/main" val="1516709578"/>
-      </p:ext>
-    </p:extLst>
-  </p:cSld>
-  <p:clrMapOvr>
-    <a:masterClrMapping/>
-  </p:clrMapOvr>
-</p:sld>
-</file>
-
-<file path=ppt/slides/slide8.xml><?xml version="1.0" encoding="utf-8"?>
 <p:sld xmlns:a="http://schemas.openxmlformats.org/drawingml/2006/main" xmlns:r="http://schemas.openxmlformats.org/officeDocument/2006/relationships" xmlns:p="http://schemas.openxmlformats.org/presentationml/2006/main">
   <p:cSld>
     <p:bg>
@@ -8186,7 +9160,7 @@
           <a:p>
             <a:r>
               <a:rPr lang="en-US" sz="3600" b="1" dirty="0"/>
-              <a:t>The Info!</a:t>
+              <a:t>Machine Learning Code</a:t>
             </a:r>
           </a:p>
         </p:txBody>
@@ -8215,7 +9189,7 @@
             <a:fld id="{294A09A9-5501-47C1-A89A-A340965A2BE2}" type="slidenum">
               <a:rPr lang="en-US" smtClean="0"/>
               <a:pPr/>
-              <a:t>8</a:t>
+              <a:t>7</a:t>
             </a:fld>
             <a:endParaRPr lang="en-US" dirty="0"/>
           </a:p>
@@ -8234,7 +9208,7 @@
 </p:sld>
 </file>
 
-<file path=ppt/slides/slide9.xml><?xml version="1.0" encoding="utf-8"?>
+<file path=ppt/slides/slide8.xml><?xml version="1.0" encoding="utf-8"?>
 <p:sld xmlns:a="http://schemas.openxmlformats.org/drawingml/2006/main" xmlns:r="http://schemas.openxmlformats.org/officeDocument/2006/relationships" xmlns:p="http://schemas.openxmlformats.org/presentationml/2006/main">
   <p:cSld>
     <p:bg>
@@ -8277,8 +9251,8 @@
         </p:nvSpPr>
         <p:spPr>
           <a:xfrm>
-            <a:off x="895463" y="571499"/>
-            <a:ext cx="6734062" cy="628651"/>
+            <a:off x="895462" y="571499"/>
+            <a:ext cx="10245118" cy="628651"/>
           </a:xfrm>
         </p:spPr>
         <p:txBody>
@@ -8291,7 +9265,7 @@
               <a:rPr lang="en-US" sz="4000" b="1" dirty="0">
                 <a:latin typeface="+mn-lt"/>
               </a:rPr>
-              <a:t>The Info!</a:t>
+              <a:t>Machine Learning Code (Continued)</a:t>
             </a:r>
           </a:p>
         </p:txBody>
@@ -8300,6 +9274,81 @@
     <p:extLst>
       <p:ext uri="{BB962C8B-B14F-4D97-AF65-F5344CB8AC3E}">
         <p14:creationId xmlns:p14="http://schemas.microsoft.com/office/powerpoint/2010/main" val="2137894833"/>
+      </p:ext>
+    </p:extLst>
+  </p:cSld>
+  <p:clrMapOvr>
+    <a:masterClrMapping/>
+  </p:clrMapOvr>
+</p:sld>
+</file>
+
+<file path=ppt/slides/slide9.xml><?xml version="1.0" encoding="utf-8"?>
+<p:sld xmlns:a="http://schemas.openxmlformats.org/drawingml/2006/main" xmlns:r="http://schemas.openxmlformats.org/officeDocument/2006/relationships" xmlns:p="http://schemas.openxmlformats.org/presentationml/2006/main">
+  <p:cSld>
+    <p:bg>
+      <p:bgPr>
+        <a:solidFill>
+          <a:srgbClr val="BEB9AA"/>
+        </a:solidFill>
+        <a:effectLst/>
+      </p:bgPr>
+    </p:bg>
+    <p:spTree>
+      <p:nvGrpSpPr>
+        <p:cNvPr id="1" name=""/>
+        <p:cNvGrpSpPr/>
+        <p:nvPr/>
+      </p:nvGrpSpPr>
+      <p:grpSpPr>
+        <a:xfrm>
+          <a:off x="0" y="0"/>
+          <a:ext cx="0" cy="0"/>
+          <a:chOff x="0" y="0"/>
+          <a:chExt cx="0" cy="0"/>
+        </a:xfrm>
+      </p:grpSpPr>
+      <p:sp>
+        <p:nvSpPr>
+          <p:cNvPr id="4" name="Title 3">
+            <a:extLst>
+              <a:ext uri="{FF2B5EF4-FFF2-40B4-BE49-F238E27FC236}">
+                <a16:creationId xmlns:a16="http://schemas.microsoft.com/office/drawing/2014/main" id="{88467C95-DF23-40B9-B265-2E6F3DE29030}"/>
+              </a:ext>
+            </a:extLst>
+          </p:cNvPr>
+          <p:cNvSpPr>
+            <a:spLocks noGrp="1"/>
+          </p:cNvSpPr>
+          <p:nvPr>
+            <p:ph type="title"/>
+          </p:nvPr>
+        </p:nvSpPr>
+        <p:spPr>
+          <a:xfrm>
+            <a:off x="895462" y="571499"/>
+            <a:ext cx="10245118" cy="628651"/>
+          </a:xfrm>
+        </p:spPr>
+        <p:txBody>
+          <a:bodyPr>
+            <a:noAutofit/>
+          </a:bodyPr>
+          <a:lstStyle/>
+          <a:p>
+            <a:r>
+              <a:rPr lang="en-US" sz="4000" b="1" dirty="0">
+                <a:latin typeface="+mn-lt"/>
+              </a:rPr>
+              <a:t>Machine Learning Code (Continued)</a:t>
+            </a:r>
+          </a:p>
+        </p:txBody>
+      </p:sp>
+    </p:spTree>
+    <p:extLst>
+      <p:ext uri="{BB962C8B-B14F-4D97-AF65-F5344CB8AC3E}">
+        <p14:creationId xmlns:p14="http://schemas.microsoft.com/office/powerpoint/2010/main" val="1238214639"/>
       </p:ext>
     </p:extLst>
   </p:cSld>

--- a/Power Point/Project 3-Trends in Foster Care.pptx
+++ b/Power Point/Project 3-Trends in Foster Care.pptx
@@ -17,11 +17,11 @@
     <p:sldId id="298" r:id="rId8"/>
     <p:sldId id="281" r:id="rId9"/>
     <p:sldId id="293" r:id="rId10"/>
-    <p:sldId id="292" r:id="rId11"/>
-    <p:sldId id="295" r:id="rId12"/>
-    <p:sldId id="299" r:id="rId13"/>
+    <p:sldId id="291" r:id="rId11"/>
+    <p:sldId id="292" r:id="rId12"/>
+    <p:sldId id="295" r:id="rId13"/>
     <p:sldId id="265" r:id="rId14"/>
-    <p:sldId id="288" r:id="rId15"/>
+    <p:sldId id="301" r:id="rId15"/>
     <p:sldId id="297" r:id="rId16"/>
     <p:sldId id="300" r:id="rId17"/>
   </p:sldIdLst>
@@ -1011,9 +1011,9 @@
           <a:p>
             <a:fld id="{5A9B2C62-FE30-453D-946B-754E9E42C845}" type="slidenum">
               <a:rPr lang="en-US" smtClean="0"/>
-              <a:t>8</a:t>
+              <a:t>9</a:t>
             </a:fld>
-            <a:endParaRPr lang="en-US" dirty="0"/>
+            <a:endParaRPr lang="en-US"/>
           </a:p>
         </p:txBody>
       </p:sp>
@@ -1098,93 +1098,6 @@
           <a:p>
             <a:fld id="{5A9B2C62-FE30-453D-946B-754E9E42C845}" type="slidenum">
               <a:rPr lang="en-US" smtClean="0"/>
-              <a:t>9</a:t>
-            </a:fld>
-            <a:endParaRPr lang="en-US" dirty="0"/>
-          </a:p>
-        </p:txBody>
-      </p:sp>
-    </p:spTree>
-    <p:extLst>
-      <p:ext uri="{BB962C8B-B14F-4D97-AF65-F5344CB8AC3E}">
-        <p14:creationId xmlns:p14="http://schemas.microsoft.com/office/powerpoint/2010/main" val="587612912"/>
-      </p:ext>
-    </p:extLst>
-  </p:cSld>
-  <p:clrMapOvr>
-    <a:masterClrMapping/>
-  </p:clrMapOvr>
-</p:notes>
-</file>
-
-<file path=ppt/notesSlides/notesSlide6.xml><?xml version="1.0" encoding="utf-8"?>
-<p:notes xmlns:a="http://schemas.openxmlformats.org/drawingml/2006/main" xmlns:r="http://schemas.openxmlformats.org/officeDocument/2006/relationships" xmlns:p="http://schemas.openxmlformats.org/presentationml/2006/main">
-  <p:cSld>
-    <p:spTree>
-      <p:nvGrpSpPr>
-        <p:cNvPr id="1" name=""/>
-        <p:cNvGrpSpPr/>
-        <p:nvPr/>
-      </p:nvGrpSpPr>
-      <p:grpSpPr>
-        <a:xfrm>
-          <a:off x="0" y="0"/>
-          <a:ext cx="0" cy="0"/>
-          <a:chOff x="0" y="0"/>
-          <a:chExt cx="0" cy="0"/>
-        </a:xfrm>
-      </p:grpSpPr>
-      <p:sp>
-        <p:nvSpPr>
-          <p:cNvPr id="2" name="Slide Image Placeholder 1"/>
-          <p:cNvSpPr>
-            <a:spLocks noGrp="1" noRot="1" noChangeAspect="1"/>
-          </p:cNvSpPr>
-          <p:nvPr>
-            <p:ph type="sldImg"/>
-          </p:nvPr>
-        </p:nvSpPr>
-        <p:spPr/>
-      </p:sp>
-      <p:sp>
-        <p:nvSpPr>
-          <p:cNvPr id="3" name="Notes Placeholder 2"/>
-          <p:cNvSpPr>
-            <a:spLocks noGrp="1"/>
-          </p:cNvSpPr>
-          <p:nvPr>
-            <p:ph type="body" idx="1"/>
-          </p:nvPr>
-        </p:nvSpPr>
-        <p:spPr/>
-        <p:txBody>
-          <a:bodyPr/>
-          <a:lstStyle/>
-          <a:p>
-            <a:r>
-              <a:rPr lang="en-US" dirty="0"/>
-              <a:t>Line spacing + Page numbers</a:t>
-            </a:r>
-          </a:p>
-        </p:txBody>
-      </p:sp>
-      <p:sp>
-        <p:nvSpPr>
-          <p:cNvPr id="4" name="Slide Number Placeholder 3"/>
-          <p:cNvSpPr>
-            <a:spLocks noGrp="1"/>
-          </p:cNvSpPr>
-          <p:nvPr>
-            <p:ph type="sldNum" sz="quarter" idx="5"/>
-          </p:nvPr>
-        </p:nvSpPr>
-        <p:spPr/>
-        <p:txBody>
-          <a:bodyPr/>
-          <a:lstStyle/>
-          <a:p>
-            <a:fld id="{5A9B2C62-FE30-453D-946B-754E9E42C845}" type="slidenum">
-              <a:rPr lang="en-US" smtClean="0"/>
               <a:t>12</a:t>
             </a:fld>
             <a:endParaRPr lang="en-US" dirty="0"/>
@@ -1204,7 +1117,7 @@
 </p:notes>
 </file>
 
-<file path=ppt/notesSlides/notesSlide7.xml><?xml version="1.0" encoding="utf-8"?>
+<file path=ppt/notesSlides/notesSlide6.xml><?xml version="1.0" encoding="utf-8"?>
 <p:notes xmlns:a="http://schemas.openxmlformats.org/drawingml/2006/main" xmlns:r="http://schemas.openxmlformats.org/officeDocument/2006/relationships" xmlns:p="http://schemas.openxmlformats.org/presentationml/2006/main">
   <p:cSld>
     <p:spTree>
@@ -6704,7 +6617,7 @@
     <p:bg>
       <p:bgPr>
         <a:solidFill>
-          <a:schemeClr val="accent1"/>
+          <a:srgbClr val="BEB9AA"/>
         </a:solidFill>
         <a:effectLst/>
       </p:bgPr>
@@ -6773,7 +6686,7 @@
         <p:spPr>
           <a:xfrm>
             <a:off x="345909" y="1362075"/>
-            <a:ext cx="7791450" cy="3416320"/>
+            <a:ext cx="7791450" cy="2308324"/>
           </a:xfrm>
           <a:prstGeom prst="rect">
             <a:avLst/>
@@ -6797,7 +6710,7 @@
               <a:buChar char=""/>
             </a:pPr>
             <a:r>
-              <a:rPr lang="en-US" sz="1800" dirty="0">
+              <a:rPr lang="en-US" sz="1800" b="1" dirty="0">
                 <a:solidFill>
                   <a:schemeClr val="accent2">
                     <a:lumMod val="50000"/>
@@ -6861,42 +6774,6 @@
             </a:endParaRPr>
           </a:p>
           <a:p>
-            <a:pPr marL="457200" marR="0">
-              <a:spcBef>
-                <a:spcPts val="0"/>
-              </a:spcBef>
-              <a:spcAft>
-                <a:spcPts val="0"/>
-              </a:spcAft>
-            </a:pPr>
-            <a:endParaRPr lang="en-US" dirty="0">
-              <a:solidFill>
-                <a:srgbClr val="0563C1"/>
-              </a:solidFill>
-              <a:latin typeface="Slack-Lato"/>
-              <a:ea typeface="Calibri" panose="020F0502020204030204" pitchFamily="34" charset="0"/>
-              <a:cs typeface="Calibri" panose="020F0502020204030204" pitchFamily="34" charset="0"/>
-            </a:endParaRPr>
-          </a:p>
-          <a:p>
-            <a:pPr marL="457200" marR="0">
-              <a:spcBef>
-                <a:spcPts val="0"/>
-              </a:spcBef>
-              <a:spcAft>
-                <a:spcPts val="0"/>
-              </a:spcAft>
-            </a:pPr>
-            <a:endParaRPr lang="en-US" dirty="0">
-              <a:solidFill>
-                <a:srgbClr val="0563C1"/>
-              </a:solidFill>
-              <a:latin typeface="Slack-Lato"/>
-              <a:ea typeface="Calibri" panose="020F0502020204030204" pitchFamily="34" charset="0"/>
-              <a:cs typeface="Calibri" panose="020F0502020204030204" pitchFamily="34" charset="0"/>
-            </a:endParaRPr>
-          </a:p>
-          <a:p>
             <a:pPr marL="342900" marR="0" lvl="0" indent="-342900">
               <a:spcBef>
                 <a:spcPts val="0"/>
@@ -6908,7 +6785,7 @@
               <a:buChar char=""/>
             </a:pPr>
             <a:r>
-              <a:rPr lang="en-US" sz="1800" dirty="0">
+              <a:rPr lang="en-US" sz="1800" b="1" dirty="0">
                 <a:solidFill>
                   <a:schemeClr val="accent2">
                     <a:lumMod val="50000"/>
@@ -6964,25 +6841,6 @@
             </a:endParaRPr>
           </a:p>
           <a:p>
-            <a:pPr marR="0" lvl="0">
-              <a:spcBef>
-                <a:spcPts val="0"/>
-              </a:spcBef>
-              <a:spcAft>
-                <a:spcPts val="0"/>
-              </a:spcAft>
-            </a:pPr>
-            <a:endParaRPr lang="en-US" dirty="0">
-              <a:solidFill>
-                <a:schemeClr val="accent2">
-                  <a:lumMod val="50000"/>
-                </a:schemeClr>
-              </a:solidFill>
-              <a:ea typeface="Calibri" panose="020F0502020204030204" pitchFamily="34" charset="0"/>
-              <a:cs typeface="Times New Roman" panose="02020603050405020304" pitchFamily="18" charset="0"/>
-            </a:endParaRPr>
-          </a:p>
-          <a:p>
             <a:pPr marL="342900" marR="0" lvl="0" indent="-342900">
               <a:spcBef>
                 <a:spcPts val="0"/>
@@ -6993,29 +6851,8 @@
               <a:buFont typeface="Symbol" panose="05050102010706020507" pitchFamily="18" charset="2"/>
               <a:buChar char=""/>
             </a:pPr>
-            <a:endParaRPr lang="en-US" dirty="0">
-              <a:solidFill>
-                <a:schemeClr val="accent2">
-                  <a:lumMod val="50000"/>
-                </a:schemeClr>
-              </a:solidFill>
-              <a:ea typeface="Calibri" panose="020F0502020204030204" pitchFamily="34" charset="0"/>
-              <a:cs typeface="Times New Roman" panose="02020603050405020304" pitchFamily="18" charset="0"/>
-            </a:endParaRPr>
-          </a:p>
-          <a:p>
-            <a:pPr marL="342900" marR="0" lvl="0" indent="-342900">
-              <a:spcBef>
-                <a:spcPts val="0"/>
-              </a:spcBef>
-              <a:spcAft>
-                <a:spcPts val="0"/>
-              </a:spcAft>
-              <a:buFont typeface="Symbol" panose="05050102010706020507" pitchFamily="18" charset="2"/>
-              <a:buChar char=""/>
-            </a:pPr>
-            <a:r>
-              <a:rPr lang="en-US" sz="1800" dirty="0">
+            <a:r>
+              <a:rPr lang="en-US" sz="1800" b="1" dirty="0">
                 <a:solidFill>
                   <a:schemeClr val="accent2">
                     <a:lumMod val="50000"/>
@@ -7080,10 +6917,40 @@
           </a:p>
         </p:txBody>
       </p:sp>
+      <p:pic>
+        <p:nvPicPr>
+          <p:cNvPr id="5" name="Picture 4" descr="Graphical user interface, text&#10;&#10;Description automatically generated">
+            <a:extLst>
+              <a:ext uri="{FF2B5EF4-FFF2-40B4-BE49-F238E27FC236}">
+                <a16:creationId xmlns:a16="http://schemas.microsoft.com/office/drawing/2014/main" id="{1CF1CB6A-F9A5-DB42-8081-B5879F88ACBE}"/>
+              </a:ext>
+            </a:extLst>
+          </p:cNvPr>
+          <p:cNvPicPr>
+            <a:picLocks noChangeAspect="1"/>
+          </p:cNvPicPr>
+          <p:nvPr/>
+        </p:nvPicPr>
+        <p:blipFill>
+          <a:blip r:embed="rId5"/>
+          <a:stretch>
+            <a:fillRect/>
+          </a:stretch>
+        </p:blipFill>
+        <p:spPr>
+          <a:xfrm>
+            <a:off x="596346" y="3791778"/>
+            <a:ext cx="2092378" cy="2693504"/>
+          </a:xfrm>
+          <a:prstGeom prst="rect">
+            <a:avLst/>
+          </a:prstGeom>
+        </p:spPr>
+      </p:pic>
     </p:spTree>
     <p:extLst>
       <p:ext uri="{BB962C8B-B14F-4D97-AF65-F5344CB8AC3E}">
-        <p14:creationId xmlns:p14="http://schemas.microsoft.com/office/powerpoint/2010/main" val="1516709578"/>
+        <p14:creationId xmlns:p14="http://schemas.microsoft.com/office/powerpoint/2010/main" val="266514199"/>
       </p:ext>
     </p:extLst>
   </p:cSld>
@@ -9111,7 +8978,7 @@
     <p:bg>
       <p:bgPr>
         <a:solidFill>
-          <a:schemeClr val="bg2"/>
+          <a:srgbClr val="F2F1EE"/>
         </a:solidFill>
         <a:effectLst/>
       </p:bgPr>
@@ -9132,10 +8999,10 @@
       </p:grpSpPr>
       <p:sp>
         <p:nvSpPr>
-          <p:cNvPr id="8" name="Title 7">
-            <a:extLst>
-              <a:ext uri="{FF2B5EF4-FFF2-40B4-BE49-F238E27FC236}">
-                <a16:creationId xmlns:a16="http://schemas.microsoft.com/office/drawing/2014/main" id="{E19BF1C0-EE32-4EEE-9539-CE8473AA2F38}"/>
+          <p:cNvPr id="4" name="Title 3">
+            <a:extLst>
+              <a:ext uri="{FF2B5EF4-FFF2-40B4-BE49-F238E27FC236}">
+                <a16:creationId xmlns:a16="http://schemas.microsoft.com/office/drawing/2014/main" id="{3B57CE8F-20CE-4C82-9E39-8C7D858D12EA}"/>
               </a:ext>
             </a:extLst>
           </p:cNvPr>
@@ -9148,57 +9015,226 @@
         </p:nvSpPr>
         <p:spPr>
           <a:xfrm>
-            <a:off x="895534" y="301100"/>
-            <a:ext cx="7011948" cy="1112930"/>
+            <a:off x="345909" y="293904"/>
+            <a:ext cx="6674802" cy="655320"/>
           </a:xfrm>
         </p:spPr>
         <p:txBody>
           <a:bodyPr>
-            <a:normAutofit/>
+            <a:normAutofit fontScale="90000"/>
           </a:bodyPr>
           <a:lstStyle/>
           <a:p>
             <a:r>
-              <a:rPr lang="en-US" sz="3600" b="1" dirty="0"/>
-              <a:t>Machine Learning Code</a:t>
-            </a:r>
-          </a:p>
-        </p:txBody>
-      </p:sp>
-      <p:sp>
-        <p:nvSpPr>
-          <p:cNvPr id="31" name="Slide Number Placeholder 30">
-            <a:extLst>
-              <a:ext uri="{FF2B5EF4-FFF2-40B4-BE49-F238E27FC236}">
-                <a16:creationId xmlns:a16="http://schemas.microsoft.com/office/drawing/2014/main" id="{AD175D2A-0058-45E0-AAF6-7260876F007C}"/>
-              </a:ext>
-            </a:extLst>
-          </p:cNvPr>
-          <p:cNvSpPr>
-            <a:spLocks noGrp="1"/>
-          </p:cNvSpPr>
-          <p:nvPr>
-            <p:ph type="sldNum" sz="quarter" idx="4"/>
-          </p:nvPr>
-        </p:nvSpPr>
-        <p:spPr/>
-        <p:txBody>
-          <a:bodyPr/>
-          <a:lstStyle/>
-          <a:p>
-            <a:fld id="{294A09A9-5501-47C1-A89A-A340965A2BE2}" type="slidenum">
-              <a:rPr lang="en-US" smtClean="0"/>
-              <a:pPr/>
-              <a:t>7</a:t>
-            </a:fld>
-            <a:endParaRPr lang="en-US" dirty="0"/>
-          </a:p>
-        </p:txBody>
-      </p:sp>
+              <a:rPr lang="en-US" b="1" dirty="0"/>
+              <a:t>Machine Learning: Trends</a:t>
+            </a:r>
+          </a:p>
+        </p:txBody>
+      </p:sp>
+      <p:pic>
+        <p:nvPicPr>
+          <p:cNvPr id="6" name="Picture 5" descr="Graphical user interface, text, application&#10;&#10;Description automatically generated">
+            <a:extLst>
+              <a:ext uri="{FF2B5EF4-FFF2-40B4-BE49-F238E27FC236}">
+                <a16:creationId xmlns:a16="http://schemas.microsoft.com/office/drawing/2014/main" id="{5F3CF655-B9D4-424E-BEF6-A8AD9AB9EAF0}"/>
+              </a:ext>
+            </a:extLst>
+          </p:cNvPr>
+          <p:cNvPicPr>
+            <a:picLocks noChangeAspect="1"/>
+          </p:cNvPicPr>
+          <p:nvPr/>
+        </p:nvPicPr>
+        <p:blipFill>
+          <a:blip r:embed="rId2"/>
+          <a:stretch>
+            <a:fillRect/>
+          </a:stretch>
+        </p:blipFill>
+        <p:spPr>
+          <a:xfrm>
+            <a:off x="385515" y="1229470"/>
+            <a:ext cx="5084902" cy="3985616"/>
+          </a:xfrm>
+          <a:prstGeom prst="rect">
+            <a:avLst/>
+          </a:prstGeom>
+          <a:ln>
+            <a:solidFill>
+              <a:schemeClr val="tx2"/>
+            </a:solidFill>
+          </a:ln>
+        </p:spPr>
+      </p:pic>
+      <p:pic>
+        <p:nvPicPr>
+          <p:cNvPr id="8" name="Picture 7" descr="Table&#10;&#10;Description automatically generated with low confidence">
+            <a:extLst>
+              <a:ext uri="{FF2B5EF4-FFF2-40B4-BE49-F238E27FC236}">
+                <a16:creationId xmlns:a16="http://schemas.microsoft.com/office/drawing/2014/main" id="{1963B4B4-04E4-A141-95E6-A92CA1F65682}"/>
+              </a:ext>
+            </a:extLst>
+          </p:cNvPr>
+          <p:cNvPicPr>
+            <a:picLocks noChangeAspect="1"/>
+          </p:cNvPicPr>
+          <p:nvPr/>
+        </p:nvPicPr>
+        <p:blipFill>
+          <a:blip r:embed="rId3"/>
+          <a:stretch>
+            <a:fillRect/>
+          </a:stretch>
+        </p:blipFill>
+        <p:spPr>
+          <a:xfrm>
+            <a:off x="385515" y="5309788"/>
+            <a:ext cx="5580959" cy="939555"/>
+          </a:xfrm>
+          <a:prstGeom prst="rect">
+            <a:avLst/>
+          </a:prstGeom>
+          <a:ln>
+            <a:solidFill>
+              <a:schemeClr val="tx2"/>
+            </a:solidFill>
+          </a:ln>
+        </p:spPr>
+      </p:pic>
+      <p:pic>
+        <p:nvPicPr>
+          <p:cNvPr id="10" name="Picture 9" descr="Chart, line chart&#10;&#10;Description automatically generated">
+            <a:extLst>
+              <a:ext uri="{FF2B5EF4-FFF2-40B4-BE49-F238E27FC236}">
+                <a16:creationId xmlns:a16="http://schemas.microsoft.com/office/drawing/2014/main" id="{C9C20989-BDF8-7B4B-A31F-9C7F341F7F2A}"/>
+              </a:ext>
+            </a:extLst>
+          </p:cNvPr>
+          <p:cNvPicPr>
+            <a:picLocks noChangeAspect="1"/>
+          </p:cNvPicPr>
+          <p:nvPr/>
+        </p:nvPicPr>
+        <p:blipFill>
+          <a:blip r:embed="rId4">
+            <a:duotone>
+              <a:prstClr val="black"/>
+              <a:schemeClr val="accent3">
+                <a:tint val="45000"/>
+                <a:satMod val="400000"/>
+              </a:schemeClr>
+            </a:duotone>
+          </a:blip>
+          <a:stretch>
+            <a:fillRect/>
+          </a:stretch>
+        </p:blipFill>
+        <p:spPr>
+          <a:xfrm>
+            <a:off x="6520069" y="1229470"/>
+            <a:ext cx="3127513" cy="2085009"/>
+          </a:xfrm>
+          <a:prstGeom prst="rect">
+            <a:avLst/>
+          </a:prstGeom>
+          <a:ln>
+            <a:solidFill>
+              <a:schemeClr val="tx2"/>
+            </a:solidFill>
+          </a:ln>
+        </p:spPr>
+      </p:pic>
+      <p:pic>
+        <p:nvPicPr>
+          <p:cNvPr id="14" name="Picture 13" descr="Chart, line chart&#10;&#10;Description automatically generated">
+            <a:extLst>
+              <a:ext uri="{FF2B5EF4-FFF2-40B4-BE49-F238E27FC236}">
+                <a16:creationId xmlns:a16="http://schemas.microsoft.com/office/drawing/2014/main" id="{F2D57D2E-4A0F-F545-A344-8D51685AF72C}"/>
+              </a:ext>
+            </a:extLst>
+          </p:cNvPr>
+          <p:cNvPicPr>
+            <a:picLocks noChangeAspect="1"/>
+          </p:cNvPicPr>
+          <p:nvPr/>
+        </p:nvPicPr>
+        <p:blipFill>
+          <a:blip r:embed="rId5">
+            <a:duotone>
+              <a:prstClr val="black"/>
+              <a:schemeClr val="tx2">
+                <a:tint val="45000"/>
+                <a:satMod val="400000"/>
+              </a:schemeClr>
+            </a:duotone>
+          </a:blip>
+          <a:stretch>
+            <a:fillRect/>
+          </a:stretch>
+        </p:blipFill>
+        <p:spPr>
+          <a:xfrm>
+            <a:off x="6520069" y="4164332"/>
+            <a:ext cx="3127517" cy="2085011"/>
+          </a:xfrm>
+          <a:prstGeom prst="rect">
+            <a:avLst/>
+          </a:prstGeom>
+          <a:ln>
+            <a:solidFill>
+              <a:schemeClr val="tx2"/>
+            </a:solidFill>
+          </a:ln>
+        </p:spPr>
+      </p:pic>
+      <p:pic>
+        <p:nvPicPr>
+          <p:cNvPr id="12" name="Picture 11" descr="Chart, line chart&#10;&#10;Description automatically generated">
+            <a:extLst>
+              <a:ext uri="{FF2B5EF4-FFF2-40B4-BE49-F238E27FC236}">
+                <a16:creationId xmlns:a16="http://schemas.microsoft.com/office/drawing/2014/main" id="{4790A3A5-52BC-9F4A-B7C6-673C23C8A375}"/>
+              </a:ext>
+            </a:extLst>
+          </p:cNvPr>
+          <p:cNvPicPr>
+            <a:picLocks noChangeAspect="1"/>
+          </p:cNvPicPr>
+          <p:nvPr/>
+        </p:nvPicPr>
+        <p:blipFill>
+          <a:blip r:embed="rId6">
+            <a:duotone>
+              <a:prstClr val="black"/>
+              <a:schemeClr val="accent1">
+                <a:tint val="45000"/>
+                <a:satMod val="400000"/>
+              </a:schemeClr>
+            </a:duotone>
+          </a:blip>
+          <a:stretch>
+            <a:fillRect/>
+          </a:stretch>
+        </p:blipFill>
+        <p:spPr>
+          <a:xfrm>
+            <a:off x="8225701" y="2552220"/>
+            <a:ext cx="3127515" cy="2085010"/>
+          </a:xfrm>
+          <a:prstGeom prst="rect">
+            <a:avLst/>
+          </a:prstGeom>
+          <a:ln>
+            <a:solidFill>
+              <a:schemeClr val="tx2"/>
+            </a:solidFill>
+          </a:ln>
+        </p:spPr>
+      </p:pic>
     </p:spTree>
     <p:extLst>
       <p:ext uri="{BB962C8B-B14F-4D97-AF65-F5344CB8AC3E}">
-        <p14:creationId xmlns:p14="http://schemas.microsoft.com/office/powerpoint/2010/main" val="1861222651"/>
+        <p14:creationId xmlns:p14="http://schemas.microsoft.com/office/powerpoint/2010/main" val="1973631857"/>
       </p:ext>
     </p:extLst>
   </p:cSld>
@@ -9214,7 +9250,7 @@
     <p:bg>
       <p:bgPr>
         <a:solidFill>
-          <a:srgbClr val="C0C9C2"/>
+          <a:srgbClr val="A5A5A5"/>
         </a:solidFill>
         <a:effectLst/>
       </p:bgPr>
@@ -9235,10 +9271,10 @@
       </p:grpSpPr>
       <p:sp>
         <p:nvSpPr>
-          <p:cNvPr id="4" name="Title 3">
-            <a:extLst>
-              <a:ext uri="{FF2B5EF4-FFF2-40B4-BE49-F238E27FC236}">
-                <a16:creationId xmlns:a16="http://schemas.microsoft.com/office/drawing/2014/main" id="{88467C95-DF23-40B9-B265-2E6F3DE29030}"/>
+          <p:cNvPr id="8" name="Title 7">
+            <a:extLst>
+              <a:ext uri="{FF2B5EF4-FFF2-40B4-BE49-F238E27FC236}">
+                <a16:creationId xmlns:a16="http://schemas.microsoft.com/office/drawing/2014/main" id="{E19BF1C0-EE32-4EEE-9539-CE8473AA2F38}"/>
               </a:ext>
             </a:extLst>
           </p:cNvPr>
@@ -9251,29 +9287,251 @@
         </p:nvSpPr>
         <p:spPr>
           <a:xfrm>
-            <a:off x="895462" y="571499"/>
-            <a:ext cx="10245118" cy="628651"/>
+            <a:off x="895534" y="301100"/>
+            <a:ext cx="7011948" cy="1112930"/>
           </a:xfrm>
         </p:spPr>
         <p:txBody>
           <a:bodyPr>
-            <a:noAutofit/>
+            <a:normAutofit/>
           </a:bodyPr>
           <a:lstStyle/>
           <a:p>
             <a:r>
-              <a:rPr lang="en-US" sz="4000" b="1" dirty="0">
-                <a:latin typeface="+mn-lt"/>
-              </a:rPr>
-              <a:t>Machine Learning Code (Continued)</a:t>
-            </a:r>
-          </a:p>
-        </p:txBody>
-      </p:sp>
+              <a:rPr lang="en-US" sz="3600" b="1" dirty="0"/>
+              <a:t>Data Cleaning</a:t>
+            </a:r>
+          </a:p>
+        </p:txBody>
+      </p:sp>
+      <p:sp>
+        <p:nvSpPr>
+          <p:cNvPr id="31" name="Slide Number Placeholder 30">
+            <a:extLst>
+              <a:ext uri="{FF2B5EF4-FFF2-40B4-BE49-F238E27FC236}">
+                <a16:creationId xmlns:a16="http://schemas.microsoft.com/office/drawing/2014/main" id="{AD175D2A-0058-45E0-AAF6-7260876F007C}"/>
+              </a:ext>
+            </a:extLst>
+          </p:cNvPr>
+          <p:cNvSpPr>
+            <a:spLocks noGrp="1"/>
+          </p:cNvSpPr>
+          <p:nvPr>
+            <p:ph type="sldNum" sz="quarter" idx="4"/>
+          </p:nvPr>
+        </p:nvSpPr>
+        <p:spPr/>
+        <p:txBody>
+          <a:bodyPr/>
+          <a:lstStyle/>
+          <a:p>
+            <a:fld id="{294A09A9-5501-47C1-A89A-A340965A2BE2}" type="slidenum">
+              <a:rPr lang="en-US" smtClean="0"/>
+              <a:pPr/>
+              <a:t>8</a:t>
+            </a:fld>
+            <a:endParaRPr lang="en-US" dirty="0"/>
+          </a:p>
+        </p:txBody>
+      </p:sp>
+      <p:sp>
+        <p:nvSpPr>
+          <p:cNvPr id="6" name="TextBox 5">
+            <a:extLst>
+              <a:ext uri="{FF2B5EF4-FFF2-40B4-BE49-F238E27FC236}">
+                <a16:creationId xmlns:a16="http://schemas.microsoft.com/office/drawing/2014/main" id="{76AB3B74-D3C6-CD4A-9DC1-A320820B1D6A}"/>
+              </a:ext>
+            </a:extLst>
+          </p:cNvPr>
+          <p:cNvSpPr txBox="1"/>
+          <p:nvPr/>
+        </p:nvSpPr>
+        <p:spPr>
+          <a:xfrm>
+            <a:off x="983973" y="2136338"/>
+            <a:ext cx="4731026" cy="2585323"/>
+          </a:xfrm>
+          <a:prstGeom prst="rect">
+            <a:avLst/>
+          </a:prstGeom>
+          <a:noFill/>
+        </p:spPr>
+        <p:txBody>
+          <a:bodyPr wrap="square" rtlCol="0">
+            <a:spAutoFit/>
+          </a:bodyPr>
+          <a:lstStyle/>
+          <a:p>
+            <a:pPr marL="285750" indent="-285750">
+              <a:buFont typeface="Arial" panose="020B0604020202020204" pitchFamily="34" charset="0"/>
+              <a:buChar char="•"/>
+            </a:pPr>
+            <a:r>
+              <a:rPr lang="en-US" dirty="0"/>
+              <a:t>Convert numerical data to categorical data</a:t>
+            </a:r>
+          </a:p>
+          <a:p>
+            <a:pPr marL="285750" indent="-285750">
+              <a:buFont typeface="Arial" panose="020B0604020202020204" pitchFamily="34" charset="0"/>
+              <a:buChar char="•"/>
+            </a:pPr>
+            <a:endParaRPr lang="en-US" dirty="0"/>
+          </a:p>
+          <a:p>
+            <a:pPr marL="285750" indent="-285750">
+              <a:buFont typeface="Arial" panose="020B0604020202020204" pitchFamily="34" charset="0"/>
+              <a:buChar char="•"/>
+            </a:pPr>
+            <a:r>
+              <a:rPr lang="en-US" dirty="0"/>
+              <a:t>Rename columns, filter dataset to desired features</a:t>
+            </a:r>
+          </a:p>
+          <a:p>
+            <a:pPr marL="285750" indent="-285750">
+              <a:buFont typeface="Arial" panose="020B0604020202020204" pitchFamily="34" charset="0"/>
+              <a:buChar char="•"/>
+            </a:pPr>
+            <a:endParaRPr lang="en-US" dirty="0"/>
+          </a:p>
+          <a:p>
+            <a:pPr marL="285750" indent="-285750">
+              <a:buFont typeface="Arial" panose="020B0604020202020204" pitchFamily="34" charset="0"/>
+              <a:buChar char="•"/>
+            </a:pPr>
+            <a:r>
+              <a:rPr lang="en-US" dirty="0"/>
+              <a:t>Joins, joins, and more joins…</a:t>
+            </a:r>
+          </a:p>
+          <a:p>
+            <a:pPr marL="285750" indent="-285750">
+              <a:buFont typeface="Arial" panose="020B0604020202020204" pitchFamily="34" charset="0"/>
+              <a:buChar char="•"/>
+            </a:pPr>
+            <a:endParaRPr lang="en-US" dirty="0"/>
+          </a:p>
+          <a:p>
+            <a:pPr marL="285750" indent="-285750">
+              <a:buFont typeface="Arial" panose="020B0604020202020204" pitchFamily="34" charset="0"/>
+              <a:buChar char="•"/>
+            </a:pPr>
+            <a:r>
+              <a:rPr lang="en-US" dirty="0"/>
+              <a:t>Shape and reshape</a:t>
+            </a:r>
+          </a:p>
+        </p:txBody>
+      </p:sp>
+      <p:pic>
+        <p:nvPicPr>
+          <p:cNvPr id="9" name="Picture 8" descr="Table&#10;&#10;Description automatically generated">
+            <a:extLst>
+              <a:ext uri="{FF2B5EF4-FFF2-40B4-BE49-F238E27FC236}">
+                <a16:creationId xmlns:a16="http://schemas.microsoft.com/office/drawing/2014/main" id="{D856A7CE-46DD-C34C-9E0D-03CBC663D1E1}"/>
+              </a:ext>
+            </a:extLst>
+          </p:cNvPr>
+          <p:cNvPicPr>
+            <a:picLocks noChangeAspect="1"/>
+          </p:cNvPicPr>
+          <p:nvPr/>
+        </p:nvPicPr>
+        <p:blipFill>
+          <a:blip r:embed="rId2"/>
+          <a:stretch>
+            <a:fillRect/>
+          </a:stretch>
+        </p:blipFill>
+        <p:spPr>
+          <a:xfrm>
+            <a:off x="6566186" y="655407"/>
+            <a:ext cx="4730280" cy="2961861"/>
+          </a:xfrm>
+          <a:prstGeom prst="rect">
+            <a:avLst/>
+          </a:prstGeom>
+          <a:ln>
+            <a:solidFill>
+              <a:schemeClr val="tx2"/>
+            </a:solidFill>
+          </a:ln>
+        </p:spPr>
+      </p:pic>
+      <p:pic>
+        <p:nvPicPr>
+          <p:cNvPr id="11" name="Picture 10" descr="Table&#10;&#10;Description automatically generated">
+            <a:extLst>
+              <a:ext uri="{FF2B5EF4-FFF2-40B4-BE49-F238E27FC236}">
+                <a16:creationId xmlns:a16="http://schemas.microsoft.com/office/drawing/2014/main" id="{0D9EF708-19C9-B046-9766-BA30C642F947}"/>
+              </a:ext>
+            </a:extLst>
+          </p:cNvPr>
+          <p:cNvPicPr>
+            <a:picLocks noChangeAspect="1"/>
+          </p:cNvPicPr>
+          <p:nvPr/>
+        </p:nvPicPr>
+        <p:blipFill>
+          <a:blip r:embed="rId3"/>
+          <a:stretch>
+            <a:fillRect/>
+          </a:stretch>
+        </p:blipFill>
+        <p:spPr>
+          <a:xfrm>
+            <a:off x="6164943" y="3111522"/>
+            <a:ext cx="3485077" cy="3091071"/>
+          </a:xfrm>
+          <a:prstGeom prst="rect">
+            <a:avLst/>
+          </a:prstGeom>
+          <a:ln>
+            <a:solidFill>
+              <a:schemeClr val="tx2"/>
+            </a:solidFill>
+          </a:ln>
+        </p:spPr>
+      </p:pic>
+      <p:pic>
+        <p:nvPicPr>
+          <p:cNvPr id="13" name="Picture 12">
+            <a:extLst>
+              <a:ext uri="{FF2B5EF4-FFF2-40B4-BE49-F238E27FC236}">
+                <a16:creationId xmlns:a16="http://schemas.microsoft.com/office/drawing/2014/main" id="{72CB72E6-5ABD-A348-AE58-A5F390DD4AFA}"/>
+              </a:ext>
+            </a:extLst>
+          </p:cNvPr>
+          <p:cNvPicPr>
+            <a:picLocks noChangeAspect="1"/>
+          </p:cNvPicPr>
+          <p:nvPr/>
+        </p:nvPicPr>
+        <p:blipFill rotWithShape="1">
+          <a:blip r:embed="rId4"/>
+          <a:srcRect r="53562"/>
+          <a:stretch/>
+        </p:blipFill>
+        <p:spPr>
+          <a:xfrm>
+            <a:off x="8471401" y="3960189"/>
+            <a:ext cx="2823520" cy="1112930"/>
+          </a:xfrm>
+          <a:prstGeom prst="rect">
+            <a:avLst/>
+          </a:prstGeom>
+          <a:ln>
+            <a:solidFill>
+              <a:schemeClr val="tx2"/>
+            </a:solidFill>
+          </a:ln>
+        </p:spPr>
+      </p:pic>
     </p:spTree>
     <p:extLst>
       <p:ext uri="{BB962C8B-B14F-4D97-AF65-F5344CB8AC3E}">
-        <p14:creationId xmlns:p14="http://schemas.microsoft.com/office/powerpoint/2010/main" val="2137894833"/>
+        <p14:creationId xmlns:p14="http://schemas.microsoft.com/office/powerpoint/2010/main" val="1861222651"/>
       </p:ext>
     </p:extLst>
   </p:cSld>
@@ -9286,14 +9544,6 @@
 <file path=ppt/slides/slide9.xml><?xml version="1.0" encoding="utf-8"?>
 <p:sld xmlns:a="http://schemas.openxmlformats.org/drawingml/2006/main" xmlns:r="http://schemas.openxmlformats.org/officeDocument/2006/relationships" xmlns:p="http://schemas.openxmlformats.org/presentationml/2006/main">
   <p:cSld>
-    <p:bg>
-      <p:bgPr>
-        <a:solidFill>
-          <a:srgbClr val="BEB9AA"/>
-        </a:solidFill>
-        <a:effectLst/>
-      </p:bgPr>
-    </p:bg>
     <p:spTree>
       <p:nvGrpSpPr>
         <p:cNvPr id="1" name=""/>
@@ -9327,7 +9577,7 @@
         <p:spPr>
           <a:xfrm>
             <a:off x="895462" y="571499"/>
-            <a:ext cx="10245118" cy="628651"/>
+            <a:ext cx="8337989" cy="628651"/>
           </a:xfrm>
         </p:spPr>
         <p:txBody>
@@ -9340,15 +9590,337 @@
               <a:rPr lang="en-US" sz="4000" b="1" dirty="0">
                 <a:latin typeface="+mn-lt"/>
               </a:rPr>
-              <a:t>Machine Learning Code (Continued)</a:t>
-            </a:r>
-          </a:p>
-        </p:txBody>
-      </p:sp>
+              <a:t>Machine Learning: Categorical</a:t>
+            </a:r>
+          </a:p>
+        </p:txBody>
+      </p:sp>
+      <p:grpSp>
+        <p:nvGrpSpPr>
+          <p:cNvPr id="17" name="Group 16">
+            <a:extLst>
+              <a:ext uri="{FF2B5EF4-FFF2-40B4-BE49-F238E27FC236}">
+                <a16:creationId xmlns:a16="http://schemas.microsoft.com/office/drawing/2014/main" id="{2E7607E5-F69E-2B48-AE28-FC71B0FEBB09}"/>
+              </a:ext>
+            </a:extLst>
+          </p:cNvPr>
+          <p:cNvGrpSpPr/>
+          <p:nvPr/>
+        </p:nvGrpSpPr>
+        <p:grpSpPr>
+          <a:xfrm>
+            <a:off x="2145835" y="1458469"/>
+            <a:ext cx="4403034" cy="4828032"/>
+            <a:chOff x="3705344" y="1394867"/>
+            <a:chExt cx="4403034" cy="4828032"/>
+          </a:xfrm>
+        </p:grpSpPr>
+        <p:pic>
+          <p:nvPicPr>
+            <p:cNvPr id="11" name="Picture 10" descr="Graphical user interface, text, application&#10;&#10;Description automatically generated">
+              <a:extLst>
+                <a:ext uri="{FF2B5EF4-FFF2-40B4-BE49-F238E27FC236}">
+                  <a16:creationId xmlns:a16="http://schemas.microsoft.com/office/drawing/2014/main" id="{672AA0A4-FC70-5142-9283-E907328C01B4}"/>
+                </a:ext>
+              </a:extLst>
+            </p:cNvPr>
+            <p:cNvPicPr>
+              <a:picLocks noChangeAspect="1"/>
+            </p:cNvPicPr>
+            <p:nvPr/>
+          </p:nvPicPr>
+          <p:blipFill rotWithShape="1">
+            <a:blip r:embed="rId3"/>
+            <a:srcRect l="1300" r="2585"/>
+            <a:stretch/>
+          </p:blipFill>
+          <p:spPr>
+            <a:xfrm>
+              <a:off x="3705344" y="1394867"/>
+              <a:ext cx="4403034" cy="4828032"/>
+            </a:xfrm>
+            <a:prstGeom prst="rect">
+              <a:avLst/>
+            </a:prstGeom>
+            <a:ln>
+              <a:solidFill>
+                <a:schemeClr val="bg2"/>
+              </a:solidFill>
+            </a:ln>
+          </p:spPr>
+        </p:pic>
+        <p:sp>
+          <p:nvSpPr>
+            <p:cNvPr id="16" name="Rectangle 15">
+              <a:extLst>
+                <a:ext uri="{FF2B5EF4-FFF2-40B4-BE49-F238E27FC236}">
+                  <a16:creationId xmlns:a16="http://schemas.microsoft.com/office/drawing/2014/main" id="{BC2CBA73-CAB5-2F41-8125-196F932403F7}"/>
+                </a:ext>
+              </a:extLst>
+            </p:cNvPr>
+            <p:cNvSpPr/>
+            <p:nvPr/>
+          </p:nvSpPr>
+          <p:spPr>
+            <a:xfrm>
+              <a:off x="4071434" y="6069327"/>
+              <a:ext cx="1464661" cy="153572"/>
+            </a:xfrm>
+            <a:prstGeom prst="rect">
+              <a:avLst/>
+            </a:prstGeom>
+            <a:noFill/>
+            <a:ln w="28575">
+              <a:solidFill>
+                <a:schemeClr val="bg2"/>
+              </a:solidFill>
+            </a:ln>
+          </p:spPr>
+          <p:style>
+            <a:lnRef idx="2">
+              <a:schemeClr val="accent1">
+                <a:shade val="50000"/>
+              </a:schemeClr>
+            </a:lnRef>
+            <a:fillRef idx="1">
+              <a:schemeClr val="accent1"/>
+            </a:fillRef>
+            <a:effectRef idx="0">
+              <a:schemeClr val="accent1"/>
+            </a:effectRef>
+            <a:fontRef idx="minor">
+              <a:schemeClr val="lt1"/>
+            </a:fontRef>
+          </p:style>
+          <p:txBody>
+            <a:bodyPr rtlCol="0" anchor="ctr"/>
+            <a:lstStyle/>
+            <a:p>
+              <a:pPr algn="ctr"/>
+              <a:endParaRPr lang="en-US"/>
+            </a:p>
+          </p:txBody>
+        </p:sp>
+      </p:grpSp>
+      <p:grpSp>
+        <p:nvGrpSpPr>
+          <p:cNvPr id="18" name="Group 17">
+            <a:extLst>
+              <a:ext uri="{FF2B5EF4-FFF2-40B4-BE49-F238E27FC236}">
+                <a16:creationId xmlns:a16="http://schemas.microsoft.com/office/drawing/2014/main" id="{2528D101-51F1-794B-96F4-AC92A98DBBED}"/>
+              </a:ext>
+            </a:extLst>
+          </p:cNvPr>
+          <p:cNvGrpSpPr/>
+          <p:nvPr/>
+        </p:nvGrpSpPr>
+        <p:grpSpPr>
+          <a:xfrm>
+            <a:off x="4585251" y="4609623"/>
+            <a:ext cx="5221910" cy="1561384"/>
+            <a:chOff x="6096000" y="4567783"/>
+            <a:chExt cx="5221910" cy="1561384"/>
+          </a:xfrm>
+        </p:grpSpPr>
+        <p:pic>
+          <p:nvPicPr>
+            <p:cNvPr id="9" name="Picture 8" descr="Graphical user interface, text, application, email&#10;&#10;Description automatically generated">
+              <a:extLst>
+                <a:ext uri="{FF2B5EF4-FFF2-40B4-BE49-F238E27FC236}">
+                  <a16:creationId xmlns:a16="http://schemas.microsoft.com/office/drawing/2014/main" id="{5A66DA6C-5116-A24C-8E80-F304E5EAC0E8}"/>
+                </a:ext>
+              </a:extLst>
+            </p:cNvPr>
+            <p:cNvPicPr>
+              <a:picLocks noChangeAspect="1"/>
+            </p:cNvPicPr>
+            <p:nvPr/>
+          </p:nvPicPr>
+          <p:blipFill>
+            <a:blip r:embed="rId4"/>
+            <a:stretch>
+              <a:fillRect/>
+            </a:stretch>
+          </p:blipFill>
+          <p:spPr>
+            <a:xfrm>
+              <a:off x="6096000" y="4567783"/>
+              <a:ext cx="5221910" cy="1561384"/>
+            </a:xfrm>
+            <a:prstGeom prst="rect">
+              <a:avLst/>
+            </a:prstGeom>
+            <a:ln>
+              <a:solidFill>
+                <a:schemeClr val="bg2"/>
+              </a:solidFill>
+            </a:ln>
+          </p:spPr>
+        </p:pic>
+        <p:sp>
+          <p:nvSpPr>
+            <p:cNvPr id="14" name="Rectangle 13">
+              <a:extLst>
+                <a:ext uri="{FF2B5EF4-FFF2-40B4-BE49-F238E27FC236}">
+                  <a16:creationId xmlns:a16="http://schemas.microsoft.com/office/drawing/2014/main" id="{43149BFC-A29A-7046-9610-756365A33864}"/>
+                </a:ext>
+              </a:extLst>
+            </p:cNvPr>
+            <p:cNvSpPr/>
+            <p:nvPr/>
+          </p:nvSpPr>
+          <p:spPr>
+            <a:xfrm>
+              <a:off x="6496582" y="5973417"/>
+              <a:ext cx="1611795" cy="142776"/>
+            </a:xfrm>
+            <a:prstGeom prst="rect">
+              <a:avLst/>
+            </a:prstGeom>
+            <a:noFill/>
+            <a:ln w="28575">
+              <a:solidFill>
+                <a:schemeClr val="bg2"/>
+              </a:solidFill>
+            </a:ln>
+          </p:spPr>
+          <p:style>
+            <a:lnRef idx="2">
+              <a:schemeClr val="accent1">
+                <a:shade val="50000"/>
+              </a:schemeClr>
+            </a:lnRef>
+            <a:fillRef idx="1">
+              <a:schemeClr val="accent1"/>
+            </a:fillRef>
+            <a:effectRef idx="0">
+              <a:schemeClr val="accent1"/>
+            </a:effectRef>
+            <a:fontRef idx="minor">
+              <a:schemeClr val="lt1"/>
+            </a:fontRef>
+          </p:style>
+          <p:txBody>
+            <a:bodyPr rtlCol="0" anchor="ctr"/>
+            <a:lstStyle/>
+            <a:p>
+              <a:pPr algn="ctr"/>
+              <a:endParaRPr lang="en-US"/>
+            </a:p>
+          </p:txBody>
+        </p:sp>
+      </p:grpSp>
+      <p:grpSp>
+        <p:nvGrpSpPr>
+          <p:cNvPr id="13" name="Group 12">
+            <a:extLst>
+              <a:ext uri="{FF2B5EF4-FFF2-40B4-BE49-F238E27FC236}">
+                <a16:creationId xmlns:a16="http://schemas.microsoft.com/office/drawing/2014/main" id="{07E59812-E264-AB40-A720-F7DBAC90A38D}"/>
+              </a:ext>
+            </a:extLst>
+          </p:cNvPr>
+          <p:cNvGrpSpPr/>
+          <p:nvPr/>
+        </p:nvGrpSpPr>
+        <p:grpSpPr>
+          <a:xfrm>
+            <a:off x="5313860" y="1699639"/>
+            <a:ext cx="3764692" cy="2693505"/>
+            <a:chOff x="6036123" y="1773726"/>
+            <a:chExt cx="3764692" cy="2693505"/>
+          </a:xfrm>
+        </p:grpSpPr>
+        <p:pic>
+          <p:nvPicPr>
+            <p:cNvPr id="7" name="Picture 6" descr="Text&#10;&#10;Description automatically generated">
+              <a:extLst>
+                <a:ext uri="{FF2B5EF4-FFF2-40B4-BE49-F238E27FC236}">
+                  <a16:creationId xmlns:a16="http://schemas.microsoft.com/office/drawing/2014/main" id="{5741E38C-3EEE-3C44-AB87-F33CB417A727}"/>
+                </a:ext>
+              </a:extLst>
+            </p:cNvPr>
+            <p:cNvPicPr>
+              <a:picLocks noChangeAspect="1"/>
+            </p:cNvPicPr>
+            <p:nvPr/>
+          </p:nvPicPr>
+          <p:blipFill rotWithShape="1">
+            <a:blip r:embed="rId5"/>
+            <a:srcRect r="27906"/>
+            <a:stretch/>
+          </p:blipFill>
+          <p:spPr>
+            <a:xfrm>
+              <a:off x="6036123" y="1773726"/>
+              <a:ext cx="3764692" cy="2693505"/>
+            </a:xfrm>
+            <a:prstGeom prst="rect">
+              <a:avLst/>
+            </a:prstGeom>
+            <a:ln>
+              <a:solidFill>
+                <a:schemeClr val="bg2"/>
+              </a:solidFill>
+            </a:ln>
+          </p:spPr>
+        </p:pic>
+        <p:sp>
+          <p:nvSpPr>
+            <p:cNvPr id="12" name="Rectangle 11">
+              <a:extLst>
+                <a:ext uri="{FF2B5EF4-FFF2-40B4-BE49-F238E27FC236}">
+                  <a16:creationId xmlns:a16="http://schemas.microsoft.com/office/drawing/2014/main" id="{0D9A93E6-A452-E54F-8971-E1B6AA2FAE1F}"/>
+                </a:ext>
+              </a:extLst>
+            </p:cNvPr>
+            <p:cNvSpPr/>
+            <p:nvPr/>
+          </p:nvSpPr>
+          <p:spPr>
+            <a:xfrm>
+              <a:off x="6430618" y="3120477"/>
+              <a:ext cx="725556" cy="119680"/>
+            </a:xfrm>
+            <a:prstGeom prst="rect">
+              <a:avLst/>
+            </a:prstGeom>
+            <a:noFill/>
+            <a:ln w="28575">
+              <a:solidFill>
+                <a:schemeClr val="bg2"/>
+              </a:solidFill>
+            </a:ln>
+          </p:spPr>
+          <p:style>
+            <a:lnRef idx="2">
+              <a:schemeClr val="accent1">
+                <a:shade val="50000"/>
+              </a:schemeClr>
+            </a:lnRef>
+            <a:fillRef idx="1">
+              <a:schemeClr val="accent1"/>
+            </a:fillRef>
+            <a:effectRef idx="0">
+              <a:schemeClr val="accent1"/>
+            </a:effectRef>
+            <a:fontRef idx="minor">
+              <a:schemeClr val="lt1"/>
+            </a:fontRef>
+          </p:style>
+          <p:txBody>
+            <a:bodyPr rtlCol="0" anchor="ctr"/>
+            <a:lstStyle/>
+            <a:p>
+              <a:pPr algn="ctr"/>
+              <a:endParaRPr lang="en-US"/>
+            </a:p>
+          </p:txBody>
+        </p:sp>
+      </p:grpSp>
     </p:spTree>
     <p:extLst>
       <p:ext uri="{BB962C8B-B14F-4D97-AF65-F5344CB8AC3E}">
-        <p14:creationId xmlns:p14="http://schemas.microsoft.com/office/powerpoint/2010/main" val="1238214639"/>
+        <p14:creationId xmlns:p14="http://schemas.microsoft.com/office/powerpoint/2010/main" val="2137894833"/>
       </p:ext>
     </p:extLst>
   </p:cSld>
@@ -10159,6 +10731,15 @@
 </file>
 
 <file path=customXml/item2.xml><?xml version="1.0" encoding="utf-8"?>
+<p:properties xmlns:p="http://schemas.microsoft.com/office/2006/metadata/properties" xmlns:xsi="http://www.w3.org/2001/XMLSchema-instance" xmlns:pc="http://schemas.microsoft.com/office/infopath/2007/PartnerControls">
+  <documentManagement>
+    <Status xmlns="71af3243-3dd4-4a8d-8c0d-dd76da1f02a5">Not started</Status>
+    <MediaServiceKeyPoints xmlns="71af3243-3dd4-4a8d-8c0d-dd76da1f02a5" xsi:nil="true"/>
+  </documentManagement>
+</p:properties>
+</file>
+
+<file path=customXml/item3.xml><?xml version="1.0" encoding="utf-8"?>
 <ct:contentTypeSchema xmlns:ct="http://schemas.microsoft.com/office/2006/metadata/contentType" xmlns:ma="http://schemas.microsoft.com/office/2006/metadata/properties/metaAttributes" ct:_="" ma:_="" ma:contentTypeName="Document" ma:contentTypeID="0x01010079F111ED35F8CC479449609E8A0923A6" ma:contentTypeVersion="12" ma:contentTypeDescription="Create a new document." ma:contentTypeScope="" ma:versionID="426e97fa315356fffbdcd9876fe988c2">
   <xsd:schema xmlns:xsd="http://www.w3.org/2001/XMLSchema" xmlns:xs="http://www.w3.org/2001/XMLSchema" xmlns:p="http://schemas.microsoft.com/office/2006/metadata/properties" xmlns:ns2="71af3243-3dd4-4a8d-8c0d-dd76da1f02a5" xmlns:ns3="16c05727-aa75-4e4a-9b5f-8a80a1165891" targetNamespace="http://schemas.microsoft.com/office/2006/metadata/properties" ma:root="true" ma:fieldsID="14b8f0def80e6d70ce3def20c90759ae" ns2:_="" ns3:_="">
     <xsd:import namespace="71af3243-3dd4-4a8d-8c0d-dd76da1f02a5"/>
@@ -10379,15 +10960,6 @@
 </ct:contentTypeSchema>
 </file>
 
-<file path=customXml/item3.xml><?xml version="1.0" encoding="utf-8"?>
-<p:properties xmlns:p="http://schemas.microsoft.com/office/2006/metadata/properties" xmlns:xsi="http://www.w3.org/2001/XMLSchema-instance" xmlns:pc="http://schemas.microsoft.com/office/infopath/2007/PartnerControls">
-  <documentManagement>
-    <Status xmlns="71af3243-3dd4-4a8d-8c0d-dd76da1f02a5">Not started</Status>
-    <MediaServiceKeyPoints xmlns="71af3243-3dd4-4a8d-8c0d-dd76da1f02a5" xsi:nil="true"/>
-  </documentManagement>
-</p:properties>
-</file>
-
 <file path=customXml/itemProps1.xml><?xml version="1.0" encoding="utf-8"?>
 <ds:datastoreItem xmlns:ds="http://schemas.openxmlformats.org/officeDocument/2006/customXml" ds:itemID="{53A10211-FBDE-44DA-8AD6-29E596B2975F}">
   <ds:schemaRefs>
@@ -10397,6 +10969,16 @@
 </file>
 
 <file path=customXml/itemProps2.xml><?xml version="1.0" encoding="utf-8"?>
+<ds:datastoreItem xmlns:ds="http://schemas.openxmlformats.org/officeDocument/2006/customXml" ds:itemID="{D0976319-4513-485C-AD3A-E56C39927A38}">
+  <ds:schemaRefs>
+    <ds:schemaRef ds:uri="http://schemas.microsoft.com/office/2006/metadata/properties"/>
+    <ds:schemaRef ds:uri="http://schemas.microsoft.com/office/infopath/2007/PartnerControls"/>
+    <ds:schemaRef ds:uri="71af3243-3dd4-4a8d-8c0d-dd76da1f02a5"/>
+  </ds:schemaRefs>
+</ds:datastoreItem>
+</file>
+
+<file path=customXml/itemProps3.xml><?xml version="1.0" encoding="utf-8"?>
 <ds:datastoreItem xmlns:ds="http://schemas.openxmlformats.org/officeDocument/2006/customXml" ds:itemID="{6A1B7BBB-8F46-4BA8-85EC-2ECC1D2E3290}">
   <ds:schemaRefs>
     <ds:schemaRef ds:uri="http://schemas.microsoft.com/office/2006/metadata/contentType"/>
@@ -10413,14 +10995,4 @@
     <ds:schemaRef ds:uri="http://schemas.microsoft.com/internal/obd"/>
   </ds:schemaRefs>
 </ds:datastoreItem>
-</file>
-
-<file path=customXml/itemProps3.xml><?xml version="1.0" encoding="utf-8"?>
-<ds:datastoreItem xmlns:ds="http://schemas.openxmlformats.org/officeDocument/2006/customXml" ds:itemID="{D0976319-4513-485C-AD3A-E56C39927A38}">
-  <ds:schemaRefs>
-    <ds:schemaRef ds:uri="http://schemas.microsoft.com/office/2006/metadata/properties"/>
-    <ds:schemaRef ds:uri="http://schemas.microsoft.com/office/infopath/2007/PartnerControls"/>
-    <ds:schemaRef ds:uri="71af3243-3dd4-4a8d-8c0d-dd76da1f02a5"/>
-  </ds:schemaRefs>
-</ds:datastoreItem>
 </file>
--- a/Power Point/Project 3-Trends in Foster Care.pptx
+++ b/Power Point/Project 3-Trends in Foster Care.pptx
@@ -10722,24 +10722,6 @@
 </file>
 
 <file path=customXml/item1.xml><?xml version="1.0" encoding="utf-8"?>
-<?mso-contentType ?>
-<FormTemplates xmlns="http://schemas.microsoft.com/sharepoint/v3/contenttype/forms">
-  <Display>DocumentLibraryForm</Display>
-  <Edit>DocumentLibraryForm</Edit>
-  <New>DocumentLibraryForm</New>
-</FormTemplates>
-</file>
-
-<file path=customXml/item2.xml><?xml version="1.0" encoding="utf-8"?>
-<p:properties xmlns:p="http://schemas.microsoft.com/office/2006/metadata/properties" xmlns:xsi="http://www.w3.org/2001/XMLSchema-instance" xmlns:pc="http://schemas.microsoft.com/office/infopath/2007/PartnerControls">
-  <documentManagement>
-    <Status xmlns="71af3243-3dd4-4a8d-8c0d-dd76da1f02a5">Not started</Status>
-    <MediaServiceKeyPoints xmlns="71af3243-3dd4-4a8d-8c0d-dd76da1f02a5" xsi:nil="true"/>
-  </documentManagement>
-</p:properties>
-</file>
-
-<file path=customXml/item3.xml><?xml version="1.0" encoding="utf-8"?>
 <ct:contentTypeSchema xmlns:ct="http://schemas.microsoft.com/office/2006/metadata/contentType" xmlns:ma="http://schemas.microsoft.com/office/2006/metadata/properties/metaAttributes" ct:_="" ma:_="" ma:contentTypeName="Document" ma:contentTypeID="0x01010079F111ED35F8CC479449609E8A0923A6" ma:contentTypeVersion="12" ma:contentTypeDescription="Create a new document." ma:contentTypeScope="" ma:versionID="426e97fa315356fffbdcd9876fe988c2">
   <xsd:schema xmlns:xsd="http://www.w3.org/2001/XMLSchema" xmlns:xs="http://www.w3.org/2001/XMLSchema" xmlns:p="http://schemas.microsoft.com/office/2006/metadata/properties" xmlns:ns2="71af3243-3dd4-4a8d-8c0d-dd76da1f02a5" xmlns:ns3="16c05727-aa75-4e4a-9b5f-8a80a1165891" targetNamespace="http://schemas.microsoft.com/office/2006/metadata/properties" ma:root="true" ma:fieldsID="14b8f0def80e6d70ce3def20c90759ae" ns2:_="" ns3:_="">
     <xsd:import namespace="71af3243-3dd4-4a8d-8c0d-dd76da1f02a5"/>
@@ -10960,25 +10942,25 @@
 </ct:contentTypeSchema>
 </file>
 
-<file path=customXml/itemProps1.xml><?xml version="1.0" encoding="utf-8"?>
-<ds:datastoreItem xmlns:ds="http://schemas.openxmlformats.org/officeDocument/2006/customXml" ds:itemID="{53A10211-FBDE-44DA-8AD6-29E596B2975F}">
-  <ds:schemaRefs>
-    <ds:schemaRef ds:uri="http://schemas.microsoft.com/sharepoint/v3/contenttype/forms"/>
-  </ds:schemaRefs>
-</ds:datastoreItem>
+<file path=customXml/item2.xml><?xml version="1.0" encoding="utf-8"?>
+<p:properties xmlns:p="http://schemas.microsoft.com/office/2006/metadata/properties" xmlns:xsi="http://www.w3.org/2001/XMLSchema-instance" xmlns:pc="http://schemas.microsoft.com/office/infopath/2007/PartnerControls">
+  <documentManagement>
+    <Status xmlns="71af3243-3dd4-4a8d-8c0d-dd76da1f02a5">Not started</Status>
+    <MediaServiceKeyPoints xmlns="71af3243-3dd4-4a8d-8c0d-dd76da1f02a5" xsi:nil="true"/>
+  </documentManagement>
+</p:properties>
 </file>
 
-<file path=customXml/itemProps2.xml><?xml version="1.0" encoding="utf-8"?>
-<ds:datastoreItem xmlns:ds="http://schemas.openxmlformats.org/officeDocument/2006/customXml" ds:itemID="{D0976319-4513-485C-AD3A-E56C39927A38}">
-  <ds:schemaRefs>
-    <ds:schemaRef ds:uri="http://schemas.microsoft.com/office/2006/metadata/properties"/>
-    <ds:schemaRef ds:uri="http://schemas.microsoft.com/office/infopath/2007/PartnerControls"/>
-    <ds:schemaRef ds:uri="71af3243-3dd4-4a8d-8c0d-dd76da1f02a5"/>
-  </ds:schemaRefs>
-</ds:datastoreItem>
+<file path=customXml/item3.xml><?xml version="1.0" encoding="utf-8"?>
+<?mso-contentType ?>
+<FormTemplates xmlns="http://schemas.microsoft.com/sharepoint/v3/contenttype/forms">
+  <Display>DocumentLibraryForm</Display>
+  <Edit>DocumentLibraryForm</Edit>
+  <New>DocumentLibraryForm</New>
+</FormTemplates>
 </file>
 
-<file path=customXml/itemProps3.xml><?xml version="1.0" encoding="utf-8"?>
+<file path=customXml/itemProps1.xml><?xml version="1.0" encoding="utf-8"?>
 <ds:datastoreItem xmlns:ds="http://schemas.openxmlformats.org/officeDocument/2006/customXml" ds:itemID="{6A1B7BBB-8F46-4BA8-85EC-2ECC1D2E3290}">
   <ds:schemaRefs>
     <ds:schemaRef ds:uri="http://schemas.microsoft.com/office/2006/metadata/contentType"/>
@@ -10995,4 +10977,22 @@
     <ds:schemaRef ds:uri="http://schemas.microsoft.com/internal/obd"/>
   </ds:schemaRefs>
 </ds:datastoreItem>
+</file>
+
+<file path=customXml/itemProps2.xml><?xml version="1.0" encoding="utf-8"?>
+<ds:datastoreItem xmlns:ds="http://schemas.openxmlformats.org/officeDocument/2006/customXml" ds:itemID="{D0976319-4513-485C-AD3A-E56C39927A38}">
+  <ds:schemaRefs>
+    <ds:schemaRef ds:uri="http://schemas.microsoft.com/office/2006/metadata/properties"/>
+    <ds:schemaRef ds:uri="http://schemas.microsoft.com/office/infopath/2007/PartnerControls"/>
+    <ds:schemaRef ds:uri="71af3243-3dd4-4a8d-8c0d-dd76da1f02a5"/>
+  </ds:schemaRefs>
+</ds:datastoreItem>
+</file>
+
+<file path=customXml/itemProps3.xml><?xml version="1.0" encoding="utf-8"?>
+<ds:datastoreItem xmlns:ds="http://schemas.openxmlformats.org/officeDocument/2006/customXml" ds:itemID="{53A10211-FBDE-44DA-8AD6-29E596B2975F}">
+  <ds:schemaRefs>
+    <ds:schemaRef ds:uri="http://schemas.microsoft.com/sharepoint/v3/contenttype/forms"/>
+  </ds:schemaRefs>
+</ds:datastoreItem>
 </file>
--- a/Power Point/Project 3-Trends in Foster Care.pptx
+++ b/Power Point/Project 3-Trends in Foster Care.pptx
@@ -238,7 +238,7 @@
           <a:p>
             <a:fld id="{9232FC57-E1F8-4F59-A87C-2833007EAF57}" type="datetimeFigureOut">
               <a:rPr lang="en-US" smtClean="0"/>
-              <a:t>1/9/2021</a:t>
+              <a:t>1/10/2021</a:t>
             </a:fld>
             <a:endParaRPr lang="en-US" dirty="0"/>
           </a:p>
@@ -415,7 +415,7 @@
           <a:p>
             <a:fld id="{C98ACAC0-59EA-4916-9995-398D6BEB88C3}" type="datetimeFigureOut">
               <a:rPr lang="en-US" smtClean="0"/>
-              <a:t>1/9/2021</a:t>
+              <a:t>1/10/2021</a:t>
             </a:fld>
             <a:endParaRPr lang="en-US" dirty="0"/>
           </a:p>
@@ -2057,7 +2057,7 @@
           <a:p>
             <a:fld id="{E199D1A0-04AB-4DD4-B9DB-BDEC5E64C94C}" type="datetime1">
               <a:rPr lang="en-US" smtClean="0"/>
-              <a:t>1/9/2021</a:t>
+              <a:t>1/10/2021</a:t>
             </a:fld>
             <a:endParaRPr lang="en-US" dirty="0"/>
           </a:p>
@@ -2291,7 +2291,7 @@
           <a:p>
             <a:fld id="{CF53EA80-260A-4EE9-83BB-E6DD04DEA906}" type="datetime1">
               <a:rPr lang="en-US" smtClean="0"/>
-              <a:t>1/9/2021</a:t>
+              <a:t>1/10/2021</a:t>
             </a:fld>
             <a:endParaRPr lang="en-US" dirty="0"/>
           </a:p>
@@ -2779,7 +2779,7 @@
           <a:p>
             <a:fld id="{8CD80274-DEF2-4F5D-8F74-69D0554CED55}" type="datetime1">
               <a:rPr lang="en-US" smtClean="0"/>
-              <a:t>1/9/2021</a:t>
+              <a:t>1/10/2021</a:t>
             </a:fld>
             <a:endParaRPr lang="en-US" dirty="0"/>
           </a:p>
@@ -3015,7 +3015,7 @@
           <a:p>
             <a:fld id="{C09D4DA8-2D4A-4F06-BECA-044AF4113FB4}" type="datetime1">
               <a:rPr lang="en-US" smtClean="0"/>
-              <a:t>1/9/2021</a:t>
+              <a:t>1/10/2021</a:t>
             </a:fld>
             <a:endParaRPr lang="en-US" dirty="0"/>
           </a:p>
@@ -3489,7 +3489,7 @@
           <a:p>
             <a:fld id="{C7C81873-7D47-483D-BCB4-50DD9806C720}" type="datetime1">
               <a:rPr lang="en-US" smtClean="0"/>
-              <a:t>1/9/2021</a:t>
+              <a:t>1/10/2021</a:t>
             </a:fld>
             <a:endParaRPr lang="en-US" dirty="0"/>
           </a:p>
@@ -3818,7 +3818,7 @@
           <a:p>
             <a:fld id="{90EA6C54-2562-43EA-9A1B-F808D04718E7}" type="datetime1">
               <a:rPr lang="en-US" smtClean="0"/>
-              <a:t>1/9/2021</a:t>
+              <a:t>1/10/2021</a:t>
             </a:fld>
             <a:endParaRPr lang="en-US" dirty="0"/>
           </a:p>
@@ -3953,7 +3953,7 @@
           <a:p>
             <a:fld id="{90EA6C54-2562-43EA-9A1B-F808D04718E7}" type="datetime1">
               <a:rPr lang="en-US" smtClean="0"/>
-              <a:t>1/9/2021</a:t>
+              <a:t>1/10/2021</a:t>
             </a:fld>
             <a:endParaRPr lang="en-US" dirty="0"/>
           </a:p>
@@ -4199,7 +4199,7 @@
           <a:p>
             <a:fld id="{C5DB74C9-B808-4394-A017-79C83B2524EF}" type="datetime1">
               <a:rPr lang="en-US" smtClean="0"/>
-              <a:t>1/9/2021</a:t>
+              <a:t>1/10/2021</a:t>
             </a:fld>
             <a:endParaRPr lang="en-US" dirty="0"/>
           </a:p>
@@ -4657,7 +4657,7 @@
           <a:p>
             <a:fld id="{AAD2DF6D-B715-4785-8DEA-9165C638CF44}" type="datetime1">
               <a:rPr lang="en-US" smtClean="0"/>
-              <a:t>1/9/2021</a:t>
+              <a:t>1/10/2021</a:t>
             </a:fld>
             <a:endParaRPr lang="en-US" dirty="0"/>
           </a:p>
@@ -5291,7 +5291,7 @@
           <a:p>
             <a:fld id="{137AE72A-09B6-4D56-855D-4360BD347914}" type="datetime1">
               <a:rPr lang="en-US" smtClean="0"/>
-              <a:t>1/9/2021</a:t>
+              <a:t>1/10/2021</a:t>
             </a:fld>
             <a:endParaRPr lang="en-US" dirty="0"/>
           </a:p>
@@ -5623,7 +5623,7 @@
           <a:p>
             <a:fld id="{1E5577C8-AB8C-4B8A-A01F-113B16C4DCA3}" type="datetime1">
               <a:rPr lang="en-US" smtClean="0"/>
-              <a:t>1/9/2021</a:t>
+              <a:t>1/10/2021</a:t>
             </a:fld>
             <a:endParaRPr lang="en-US" dirty="0"/>
           </a:p>
@@ -6473,8 +6473,8 @@
         </p:nvSpPr>
         <p:spPr>
           <a:xfrm>
-            <a:off x="895534" y="2181225"/>
-            <a:ext cx="10944022" cy="4370427"/>
+            <a:off x="895534" y="1770077"/>
+            <a:ext cx="10907776" cy="4647426"/>
           </a:xfrm>
           <a:prstGeom prst="rect">
             <a:avLst/>
@@ -6482,7 +6482,7 @@
           <a:noFill/>
         </p:spPr>
         <p:txBody>
-          <a:bodyPr wrap="none" rtlCol="0">
+          <a:bodyPr wrap="square" rtlCol="0">
             <a:spAutoFit/>
           </a:bodyPr>
           <a:lstStyle/>
@@ -6566,17 +6566,11 @@
             </a:r>
           </a:p>
           <a:p>
-            <a:pPr marL="742950" lvl="1" indent="-285750" algn="just">
-              <a:buFont typeface="Arial" panose="020B0604020202020204" pitchFamily="34" charset="0"/>
-              <a:buChar char="•"/>
-            </a:pPr>
+            <a:pPr lvl="1" algn="just"/>
             <a:endParaRPr lang="en-US" sz="1600" dirty="0"/>
           </a:p>
           <a:p>
-            <a:pPr marL="742950" lvl="1" indent="-285750" algn="just">
-              <a:buFont typeface="Arial" panose="020B0604020202020204" pitchFamily="34" charset="0"/>
-              <a:buChar char="•"/>
-            </a:pPr>
+            <a:pPr lvl="1" algn="just"/>
             <a:endParaRPr lang="en-US" sz="1600" dirty="0"/>
           </a:p>
           <a:p>
@@ -6595,6 +6589,12 @@
           </a:p>
           <a:p>
             <a:endParaRPr lang="en-US" dirty="0"/>
+          </a:p>
+          <a:p>
+            <a:r>
+              <a:rPr lang="en-US" dirty="0"/>
+              <a:t>Data does NOT take into account the 23,000 children that age out of the system every year</a:t>
+            </a:r>
           </a:p>
         </p:txBody>
       </p:sp>
@@ -10722,6 +10722,24 @@
 </file>
 
 <file path=customXml/item1.xml><?xml version="1.0" encoding="utf-8"?>
+<?mso-contentType ?>
+<FormTemplates xmlns="http://schemas.microsoft.com/sharepoint/v3/contenttype/forms">
+  <Display>DocumentLibraryForm</Display>
+  <Edit>DocumentLibraryForm</Edit>
+  <New>DocumentLibraryForm</New>
+</FormTemplates>
+</file>
+
+<file path=customXml/item2.xml><?xml version="1.0" encoding="utf-8"?>
+<p:properties xmlns:p="http://schemas.microsoft.com/office/2006/metadata/properties" xmlns:xsi="http://www.w3.org/2001/XMLSchema-instance" xmlns:pc="http://schemas.microsoft.com/office/infopath/2007/PartnerControls">
+  <documentManagement>
+    <Status xmlns="71af3243-3dd4-4a8d-8c0d-dd76da1f02a5">Not started</Status>
+    <MediaServiceKeyPoints xmlns="71af3243-3dd4-4a8d-8c0d-dd76da1f02a5" xsi:nil="true"/>
+  </documentManagement>
+</p:properties>
+</file>
+
+<file path=customXml/item3.xml><?xml version="1.0" encoding="utf-8"?>
 <ct:contentTypeSchema xmlns:ct="http://schemas.microsoft.com/office/2006/metadata/contentType" xmlns:ma="http://schemas.microsoft.com/office/2006/metadata/properties/metaAttributes" ct:_="" ma:_="" ma:contentTypeName="Document" ma:contentTypeID="0x01010079F111ED35F8CC479449609E8A0923A6" ma:contentTypeVersion="12" ma:contentTypeDescription="Create a new document." ma:contentTypeScope="" ma:versionID="426e97fa315356fffbdcd9876fe988c2">
   <xsd:schema xmlns:xsd="http://www.w3.org/2001/XMLSchema" xmlns:xs="http://www.w3.org/2001/XMLSchema" xmlns:p="http://schemas.microsoft.com/office/2006/metadata/properties" xmlns:ns2="71af3243-3dd4-4a8d-8c0d-dd76da1f02a5" xmlns:ns3="16c05727-aa75-4e4a-9b5f-8a80a1165891" targetNamespace="http://schemas.microsoft.com/office/2006/metadata/properties" ma:root="true" ma:fieldsID="14b8f0def80e6d70ce3def20c90759ae" ns2:_="" ns3:_="">
     <xsd:import namespace="71af3243-3dd4-4a8d-8c0d-dd76da1f02a5"/>
@@ -10942,25 +10960,25 @@
 </ct:contentTypeSchema>
 </file>
 
-<file path=customXml/item2.xml><?xml version="1.0" encoding="utf-8"?>
-<p:properties xmlns:p="http://schemas.microsoft.com/office/2006/metadata/properties" xmlns:xsi="http://www.w3.org/2001/XMLSchema-instance" xmlns:pc="http://schemas.microsoft.com/office/infopath/2007/PartnerControls">
-  <documentManagement>
-    <Status xmlns="71af3243-3dd4-4a8d-8c0d-dd76da1f02a5">Not started</Status>
-    <MediaServiceKeyPoints xmlns="71af3243-3dd4-4a8d-8c0d-dd76da1f02a5" xsi:nil="true"/>
-  </documentManagement>
-</p:properties>
+<file path=customXml/itemProps1.xml><?xml version="1.0" encoding="utf-8"?>
+<ds:datastoreItem xmlns:ds="http://schemas.openxmlformats.org/officeDocument/2006/customXml" ds:itemID="{53A10211-FBDE-44DA-8AD6-29E596B2975F}">
+  <ds:schemaRefs>
+    <ds:schemaRef ds:uri="http://schemas.microsoft.com/sharepoint/v3/contenttype/forms"/>
+  </ds:schemaRefs>
+</ds:datastoreItem>
 </file>
 
-<file path=customXml/item3.xml><?xml version="1.0" encoding="utf-8"?>
-<?mso-contentType ?>
-<FormTemplates xmlns="http://schemas.microsoft.com/sharepoint/v3/contenttype/forms">
-  <Display>DocumentLibraryForm</Display>
-  <Edit>DocumentLibraryForm</Edit>
-  <New>DocumentLibraryForm</New>
-</FormTemplates>
+<file path=customXml/itemProps2.xml><?xml version="1.0" encoding="utf-8"?>
+<ds:datastoreItem xmlns:ds="http://schemas.openxmlformats.org/officeDocument/2006/customXml" ds:itemID="{D0976319-4513-485C-AD3A-E56C39927A38}">
+  <ds:schemaRefs>
+    <ds:schemaRef ds:uri="http://schemas.microsoft.com/office/2006/metadata/properties"/>
+    <ds:schemaRef ds:uri="http://schemas.microsoft.com/office/infopath/2007/PartnerControls"/>
+    <ds:schemaRef ds:uri="71af3243-3dd4-4a8d-8c0d-dd76da1f02a5"/>
+  </ds:schemaRefs>
+</ds:datastoreItem>
 </file>
 
-<file path=customXml/itemProps1.xml><?xml version="1.0" encoding="utf-8"?>
+<file path=customXml/itemProps3.xml><?xml version="1.0" encoding="utf-8"?>
 <ds:datastoreItem xmlns:ds="http://schemas.openxmlformats.org/officeDocument/2006/customXml" ds:itemID="{6A1B7BBB-8F46-4BA8-85EC-2ECC1D2E3290}">
   <ds:schemaRefs>
     <ds:schemaRef ds:uri="http://schemas.microsoft.com/office/2006/metadata/contentType"/>
@@ -10977,22 +10995,4 @@
     <ds:schemaRef ds:uri="http://schemas.microsoft.com/internal/obd"/>
   </ds:schemaRefs>
 </ds:datastoreItem>
-</file>
-
-<file path=customXml/itemProps2.xml><?xml version="1.0" encoding="utf-8"?>
-<ds:datastoreItem xmlns:ds="http://schemas.openxmlformats.org/officeDocument/2006/customXml" ds:itemID="{D0976319-4513-485C-AD3A-E56C39927A38}">
-  <ds:schemaRefs>
-    <ds:schemaRef ds:uri="http://schemas.microsoft.com/office/2006/metadata/properties"/>
-    <ds:schemaRef ds:uri="http://schemas.microsoft.com/office/infopath/2007/PartnerControls"/>
-    <ds:schemaRef ds:uri="71af3243-3dd4-4a8d-8c0d-dd76da1f02a5"/>
-  </ds:schemaRefs>
-</ds:datastoreItem>
-</file>
-
-<file path=customXml/itemProps3.xml><?xml version="1.0" encoding="utf-8"?>
-<ds:datastoreItem xmlns:ds="http://schemas.openxmlformats.org/officeDocument/2006/customXml" ds:itemID="{53A10211-FBDE-44DA-8AD6-29E596B2975F}">
-  <ds:schemaRefs>
-    <ds:schemaRef ds:uri="http://schemas.microsoft.com/sharepoint/v3/contenttype/forms"/>
-  </ds:schemaRefs>
-</ds:datastoreItem>
 </file>